--- a/Plan/temporal_param.pptx
+++ b/Plan/temporal_param.pptx
@@ -5,11 +5,12 @@
     <p:sldMasterId id="2147483648" r:id="rId1"/>
   </p:sldMasterIdLst>
   <p:notesMasterIdLst>
-    <p:notesMasterId r:id="rId4"/>
+    <p:notesMasterId r:id="rId5"/>
   </p:notesMasterIdLst>
   <p:sldIdLst>
     <p:sldId id="256" r:id="rId2"/>
     <p:sldId id="257" r:id="rId3"/>
+    <p:sldId id="258" r:id="rId4"/>
   </p:sldIdLst>
   <p:sldSz cx="12192000" cy="6858000"/>
   <p:notesSz cx="6858000" cy="9144000"/>
@@ -197,7 +198,7 @@
           </a:lstStyle>
           <a:p>
             <a:fld id="{FED7A399-CF59-494F-BD20-4507C4E42CEF}" type="datetimeFigureOut">
-              <a:t>2025/1/13</a:t>
+              <a:t>2025/1/20</a:t>
             </a:fld>
             <a:endParaRPr kumimoji="1" lang="ja-JP" altLang="en-US"/>
           </a:p>
@@ -578,6 +579,113 @@
 </p:notes>
 </file>
 
+<file path=ppt/notesSlides/notesSlide2.xml><?xml version="1.0" encoding="utf-8"?>
+<p:notes xmlns:a="http://schemas.openxmlformats.org/drawingml/2006/main" xmlns:r="http://schemas.openxmlformats.org/officeDocument/2006/relationships" xmlns:p="http://schemas.openxmlformats.org/presentationml/2006/main">
+  <p:cSld>
+    <p:spTree>
+      <p:nvGrpSpPr>
+        <p:cNvPr id="1" name="">
+          <a:extLst>
+            <a:ext uri="{FF2B5EF4-FFF2-40B4-BE49-F238E27FC236}">
+              <a16:creationId xmlns:a16="http://schemas.microsoft.com/office/drawing/2014/main" id="{5F0CB002-2DDD-AB40-417C-B7EAB5F56FD6}"/>
+            </a:ext>
+          </a:extLst>
+        </p:cNvPr>
+        <p:cNvGrpSpPr/>
+        <p:nvPr/>
+      </p:nvGrpSpPr>
+      <p:grpSpPr>
+        <a:xfrm>
+          <a:off x="0" y="0"/>
+          <a:ext cx="0" cy="0"/>
+          <a:chOff x="0" y="0"/>
+          <a:chExt cx="0" cy="0"/>
+        </a:xfrm>
+      </p:grpSpPr>
+      <p:sp>
+        <p:nvSpPr>
+          <p:cNvPr id="2" name="スライド イメージ プレースホルダー 1">
+            <a:extLst>
+              <a:ext uri="{FF2B5EF4-FFF2-40B4-BE49-F238E27FC236}">
+                <a16:creationId xmlns:a16="http://schemas.microsoft.com/office/drawing/2014/main" id="{6BD9B4EC-007D-92A8-C9F9-3AFC8266B944}"/>
+              </a:ext>
+            </a:extLst>
+          </p:cNvPr>
+          <p:cNvSpPr>
+            <a:spLocks noGrp="1" noRot="1" noChangeAspect="1"/>
+          </p:cNvSpPr>
+          <p:nvPr>
+            <p:ph type="sldImg"/>
+          </p:nvPr>
+        </p:nvSpPr>
+        <p:spPr/>
+      </p:sp>
+      <p:sp>
+        <p:nvSpPr>
+          <p:cNvPr id="3" name="ノート プレースホルダー 2">
+            <a:extLst>
+              <a:ext uri="{FF2B5EF4-FFF2-40B4-BE49-F238E27FC236}">
+                <a16:creationId xmlns:a16="http://schemas.microsoft.com/office/drawing/2014/main" id="{5FF1233A-D956-A8F4-901E-39DD5648A427}"/>
+              </a:ext>
+            </a:extLst>
+          </p:cNvPr>
+          <p:cNvSpPr>
+            <a:spLocks noGrp="1"/>
+          </p:cNvSpPr>
+          <p:nvPr>
+            <p:ph type="body" idx="1"/>
+          </p:nvPr>
+        </p:nvSpPr>
+        <p:spPr/>
+        <p:txBody>
+          <a:bodyPr/>
+          <a:lstStyle/>
+          <a:p>
+            <a:endParaRPr kumimoji="1" lang="ja-JP" altLang="en-US"/>
+          </a:p>
+        </p:txBody>
+      </p:sp>
+      <p:sp>
+        <p:nvSpPr>
+          <p:cNvPr id="4" name="スライド番号プレースホルダー 3">
+            <a:extLst>
+              <a:ext uri="{FF2B5EF4-FFF2-40B4-BE49-F238E27FC236}">
+                <a16:creationId xmlns:a16="http://schemas.microsoft.com/office/drawing/2014/main" id="{42C6CE92-E246-32AD-54E3-5E427F35E954}"/>
+              </a:ext>
+            </a:extLst>
+          </p:cNvPr>
+          <p:cNvSpPr>
+            <a:spLocks noGrp="1"/>
+          </p:cNvSpPr>
+          <p:nvPr>
+            <p:ph type="sldNum" sz="quarter" idx="5"/>
+          </p:nvPr>
+        </p:nvSpPr>
+        <p:spPr/>
+        <p:txBody>
+          <a:bodyPr/>
+          <a:lstStyle/>
+          <a:p>
+            <a:fld id="{425E1EE6-2D6F-9D47-960E-DBB234CABE0A}" type="slidenum">
+              <a:t>3</a:t>
+            </a:fld>
+            <a:endParaRPr kumimoji="1" lang="ja-JP" altLang="en-US"/>
+          </a:p>
+        </p:txBody>
+      </p:sp>
+    </p:spTree>
+    <p:extLst>
+      <p:ext uri="{BB962C8B-B14F-4D97-AF65-F5344CB8AC3E}">
+        <p14:creationId xmlns:p14="http://schemas.microsoft.com/office/powerpoint/2010/main" val="4138199714"/>
+      </p:ext>
+    </p:extLst>
+  </p:cSld>
+  <p:clrMapOvr>
+    <a:masterClrMapping/>
+  </p:clrMapOvr>
+</p:notes>
+</file>
+
 <file path=ppt/slideLayouts/slideLayout1.xml><?xml version="1.0" encoding="utf-8"?>
 <p:sldLayout xmlns:a="http://schemas.openxmlformats.org/drawingml/2006/main" xmlns:r="http://schemas.openxmlformats.org/officeDocument/2006/relationships" xmlns:p="http://schemas.openxmlformats.org/presentationml/2006/main" type="title" preserve="1">
   <p:cSld name="タイトル スライド">
@@ -724,7 +832,7 @@
           <a:lstStyle/>
           <a:p>
             <a:fld id="{F9A8B239-ECAC-F94D-9231-B7DF30C45417}" type="datetimeFigureOut">
-              <a:t>2025/1/13</a:t>
+              <a:t>2025/1/20</a:t>
             </a:fld>
             <a:endParaRPr kumimoji="1" lang="ja-JP" altLang="en-US"/>
           </a:p>
@@ -952,7 +1060,7 @@
           <a:lstStyle/>
           <a:p>
             <a:fld id="{F9A8B239-ECAC-F94D-9231-B7DF30C45417}" type="datetimeFigureOut">
-              <a:t>2025/1/13</a:t>
+              <a:t>2025/1/20</a:t>
             </a:fld>
             <a:endParaRPr kumimoji="1" lang="ja-JP" altLang="en-US"/>
           </a:p>
@@ -1190,7 +1298,7 @@
           <a:lstStyle/>
           <a:p>
             <a:fld id="{F9A8B239-ECAC-F94D-9231-B7DF30C45417}" type="datetimeFigureOut">
-              <a:t>2025/1/13</a:t>
+              <a:t>2025/1/20</a:t>
             </a:fld>
             <a:endParaRPr kumimoji="1" lang="ja-JP" altLang="en-US"/>
           </a:p>
@@ -1418,7 +1526,7 @@
           <a:lstStyle/>
           <a:p>
             <a:fld id="{F9A8B239-ECAC-F94D-9231-B7DF30C45417}" type="datetimeFigureOut">
-              <a:t>2025/1/13</a:t>
+              <a:t>2025/1/20</a:t>
             </a:fld>
             <a:endParaRPr kumimoji="1" lang="ja-JP" altLang="en-US"/>
           </a:p>
@@ -1691,7 +1799,7 @@
           <a:lstStyle/>
           <a:p>
             <a:fld id="{F9A8B239-ECAC-F94D-9231-B7DF30C45417}" type="datetimeFigureOut">
-              <a:t>2025/1/13</a:t>
+              <a:t>2025/1/20</a:t>
             </a:fld>
             <a:endParaRPr kumimoji="1" lang="ja-JP" altLang="en-US"/>
           </a:p>
@@ -2018,7 +2126,7 @@
           <a:lstStyle/>
           <a:p>
             <a:fld id="{F9A8B239-ECAC-F94D-9231-B7DF30C45417}" type="datetimeFigureOut">
-              <a:t>2025/1/13</a:t>
+              <a:t>2025/1/20</a:t>
             </a:fld>
             <a:endParaRPr kumimoji="1" lang="ja-JP" altLang="en-US"/>
           </a:p>
@@ -2492,7 +2600,7 @@
           <a:lstStyle/>
           <a:p>
             <a:fld id="{F9A8B239-ECAC-F94D-9231-B7DF30C45417}" type="datetimeFigureOut">
-              <a:t>2025/1/13</a:t>
+              <a:t>2025/1/20</a:t>
             </a:fld>
             <a:endParaRPr kumimoji="1" lang="ja-JP" altLang="en-US"/>
           </a:p>
@@ -2631,7 +2739,7 @@
           <a:lstStyle/>
           <a:p>
             <a:fld id="{F9A8B239-ECAC-F94D-9231-B7DF30C45417}" type="datetimeFigureOut">
-              <a:t>2025/1/13</a:t>
+              <a:t>2025/1/20</a:t>
             </a:fld>
             <a:endParaRPr kumimoji="1" lang="ja-JP" altLang="en-US"/>
           </a:p>
@@ -2742,7 +2850,7 @@
           <a:lstStyle/>
           <a:p>
             <a:fld id="{F9A8B239-ECAC-F94D-9231-B7DF30C45417}" type="datetimeFigureOut">
-              <a:t>2025/1/13</a:t>
+              <a:t>2025/1/20</a:t>
             </a:fld>
             <a:endParaRPr kumimoji="1" lang="ja-JP" altLang="en-US"/>
           </a:p>
@@ -3083,7 +3191,7 @@
           <a:lstStyle/>
           <a:p>
             <a:fld id="{F9A8B239-ECAC-F94D-9231-B7DF30C45417}" type="datetimeFigureOut">
-              <a:t>2025/1/13</a:t>
+              <a:t>2025/1/20</a:t>
             </a:fld>
             <a:endParaRPr kumimoji="1" lang="ja-JP" altLang="en-US"/>
           </a:p>
@@ -3369,7 +3477,7 @@
           <a:lstStyle/>
           <a:p>
             <a:fld id="{F9A8B239-ECAC-F94D-9231-B7DF30C45417}" type="datetimeFigureOut">
-              <a:t>2025/1/13</a:t>
+              <a:t>2025/1/20</a:t>
             </a:fld>
             <a:endParaRPr kumimoji="1" lang="ja-JP" altLang="en-US"/>
           </a:p>
@@ -3640,7 +3748,7 @@
           </a:lstStyle>
           <a:p>
             <a:fld id="{F9A8B239-ECAC-F94D-9231-B7DF30C45417}" type="datetimeFigureOut">
-              <a:t>2025/1/13</a:t>
+              <a:t>2025/1/20</a:t>
             </a:fld>
             <a:endParaRPr kumimoji="1" lang="ja-JP" altLang="en-US"/>
           </a:p>
@@ -8595,6 +8703,3184 @@
     <p:extLst>
       <p:ext uri="{BB962C8B-B14F-4D97-AF65-F5344CB8AC3E}">
         <p14:creationId xmlns:p14="http://schemas.microsoft.com/office/powerpoint/2010/main" val="1355659395"/>
+      </p:ext>
+    </p:extLst>
+  </p:cSld>
+  <p:clrMapOvr>
+    <a:masterClrMapping/>
+  </p:clrMapOvr>
+</p:sld>
+</file>
+
+<file path=ppt/slides/slide3.xml><?xml version="1.0" encoding="utf-8"?>
+<p:sld xmlns:a="http://schemas.openxmlformats.org/drawingml/2006/main" xmlns:r="http://schemas.openxmlformats.org/officeDocument/2006/relationships" xmlns:p="http://schemas.openxmlformats.org/presentationml/2006/main">
+  <p:cSld>
+    <p:spTree>
+      <p:nvGrpSpPr>
+        <p:cNvPr id="1" name="">
+          <a:extLst>
+            <a:ext uri="{FF2B5EF4-FFF2-40B4-BE49-F238E27FC236}">
+              <a16:creationId xmlns:a16="http://schemas.microsoft.com/office/drawing/2014/main" id="{594F02F8-83A6-FF7F-3DA3-F231EF2C999D}"/>
+            </a:ext>
+          </a:extLst>
+        </p:cNvPr>
+        <p:cNvGrpSpPr/>
+        <p:nvPr/>
+      </p:nvGrpSpPr>
+      <p:grpSpPr>
+        <a:xfrm>
+          <a:off x="0" y="0"/>
+          <a:ext cx="0" cy="0"/>
+          <a:chOff x="0" y="0"/>
+          <a:chExt cx="0" cy="0"/>
+        </a:xfrm>
+      </p:grpSpPr>
+      <p:sp>
+        <p:nvSpPr>
+          <p:cNvPr id="70" name="正方形/長方形 69">
+            <a:extLst>
+              <a:ext uri="{FF2B5EF4-FFF2-40B4-BE49-F238E27FC236}">
+                <a16:creationId xmlns:a16="http://schemas.microsoft.com/office/drawing/2014/main" id="{DDA7B5B2-5763-3816-DC62-BA9607388AC9}"/>
+              </a:ext>
+            </a:extLst>
+          </p:cNvPr>
+          <p:cNvSpPr/>
+          <p:nvPr/>
+        </p:nvSpPr>
+        <p:spPr>
+          <a:xfrm>
+            <a:off x="-293970" y="-322796"/>
+            <a:ext cx="15390901" cy="14352417"/>
+          </a:xfrm>
+          <a:prstGeom prst="rect">
+            <a:avLst/>
+          </a:prstGeom>
+          <a:solidFill>
+            <a:srgbClr val="1D2021"/>
+          </a:solidFill>
+          <a:ln>
+            <a:noFill/>
+          </a:ln>
+        </p:spPr>
+        <p:style>
+          <a:lnRef idx="2">
+            <a:schemeClr val="accent6"/>
+          </a:lnRef>
+          <a:fillRef idx="1">
+            <a:schemeClr val="lt1"/>
+          </a:fillRef>
+          <a:effectRef idx="0">
+            <a:schemeClr val="accent6"/>
+          </a:effectRef>
+          <a:fontRef idx="minor">
+            <a:schemeClr val="dk1"/>
+          </a:fontRef>
+        </p:style>
+        <p:txBody>
+          <a:bodyPr rtlCol="0" anchor="ctr"/>
+          <a:lstStyle/>
+          <a:p>
+            <a:pPr algn="ctr"/>
+            <a:endParaRPr kumimoji="1" lang="ja-JP" altLang="en-US"/>
+          </a:p>
+        </p:txBody>
+      </p:sp>
+      <p:sp>
+        <p:nvSpPr>
+          <p:cNvPr id="4" name="角丸四角形 3">
+            <a:extLst>
+              <a:ext uri="{FF2B5EF4-FFF2-40B4-BE49-F238E27FC236}">
+                <a16:creationId xmlns:a16="http://schemas.microsoft.com/office/drawing/2014/main" id="{D0C59700-64FF-735C-1A1F-BF68406E9ADB}"/>
+              </a:ext>
+            </a:extLst>
+          </p:cNvPr>
+          <p:cNvSpPr/>
+          <p:nvPr/>
+        </p:nvSpPr>
+        <p:spPr>
+          <a:xfrm>
+            <a:off x="3189827" y="1995616"/>
+            <a:ext cx="6548158" cy="3201143"/>
+          </a:xfrm>
+          <a:prstGeom prst="roundRect">
+            <a:avLst>
+              <a:gd name="adj" fmla="val 3351"/>
+            </a:avLst>
+          </a:prstGeom>
+          <a:solidFill>
+            <a:srgbClr val="151812"/>
+          </a:solidFill>
+          <a:ln w="38100">
+            <a:solidFill>
+              <a:srgbClr val="2A402C"/>
+            </a:solidFill>
+          </a:ln>
+        </p:spPr>
+        <p:style>
+          <a:lnRef idx="2">
+            <a:schemeClr val="accent1">
+              <a:shade val="15000"/>
+            </a:schemeClr>
+          </a:lnRef>
+          <a:fillRef idx="1">
+            <a:schemeClr val="accent1"/>
+          </a:fillRef>
+          <a:effectRef idx="0">
+            <a:schemeClr val="accent1"/>
+          </a:effectRef>
+          <a:fontRef idx="minor">
+            <a:schemeClr val="lt1"/>
+          </a:fontRef>
+        </p:style>
+        <p:txBody>
+          <a:bodyPr rtlCol="0" anchor="ctr"/>
+          <a:lstStyle/>
+          <a:p>
+            <a:pPr algn="ctr"/>
+            <a:endParaRPr kumimoji="1" lang="ja-JP" altLang="en-US"/>
+          </a:p>
+        </p:txBody>
+      </p:sp>
+      <p:sp>
+        <p:nvSpPr>
+          <p:cNvPr id="22" name="角丸四角形 21">
+            <a:extLst>
+              <a:ext uri="{FF2B5EF4-FFF2-40B4-BE49-F238E27FC236}">
+                <a16:creationId xmlns:a16="http://schemas.microsoft.com/office/drawing/2014/main" id="{61F04985-68C3-5419-03A5-6FE49D1D6304}"/>
+              </a:ext>
+            </a:extLst>
+          </p:cNvPr>
+          <p:cNvSpPr/>
+          <p:nvPr/>
+        </p:nvSpPr>
+        <p:spPr>
+          <a:xfrm>
+            <a:off x="9868213" y="6858000"/>
+            <a:ext cx="3076458" cy="3201143"/>
+          </a:xfrm>
+          <a:prstGeom prst="roundRect">
+            <a:avLst>
+              <a:gd name="adj" fmla="val 3351"/>
+            </a:avLst>
+          </a:prstGeom>
+          <a:solidFill>
+            <a:srgbClr val="151812"/>
+          </a:solidFill>
+          <a:ln w="38100">
+            <a:noFill/>
+          </a:ln>
+        </p:spPr>
+        <p:style>
+          <a:lnRef idx="2">
+            <a:schemeClr val="accent1">
+              <a:shade val="15000"/>
+            </a:schemeClr>
+          </a:lnRef>
+          <a:fillRef idx="1">
+            <a:schemeClr val="accent1"/>
+          </a:fillRef>
+          <a:effectRef idx="0">
+            <a:schemeClr val="accent1"/>
+          </a:effectRef>
+          <a:fontRef idx="minor">
+            <a:schemeClr val="lt1"/>
+          </a:fontRef>
+        </p:style>
+        <p:txBody>
+          <a:bodyPr rtlCol="0" anchor="ctr"/>
+          <a:lstStyle/>
+          <a:p>
+            <a:pPr algn="ctr"/>
+            <a:endParaRPr kumimoji="1" lang="ja-JP" altLang="en-US"/>
+          </a:p>
+        </p:txBody>
+      </p:sp>
+      <p:sp>
+        <p:nvSpPr>
+          <p:cNvPr id="23" name="正方形/長方形 22">
+            <a:extLst>
+              <a:ext uri="{FF2B5EF4-FFF2-40B4-BE49-F238E27FC236}">
+                <a16:creationId xmlns:a16="http://schemas.microsoft.com/office/drawing/2014/main" id="{FBDEFA27-125F-A786-0D64-B49040B1B497}"/>
+              </a:ext>
+            </a:extLst>
+          </p:cNvPr>
+          <p:cNvSpPr/>
+          <p:nvPr/>
+        </p:nvSpPr>
+        <p:spPr>
+          <a:xfrm>
+            <a:off x="10868769" y="7370861"/>
+            <a:ext cx="1645355" cy="577360"/>
+          </a:xfrm>
+          <a:prstGeom prst="rect">
+            <a:avLst/>
+          </a:prstGeom>
+          <a:solidFill>
+            <a:srgbClr val="FEFEFE"/>
+          </a:solidFill>
+          <a:ln>
+            <a:solidFill>
+              <a:srgbClr val="5D605F"/>
+            </a:solidFill>
+          </a:ln>
+        </p:spPr>
+        <p:style>
+          <a:lnRef idx="2">
+            <a:schemeClr val="accent1">
+              <a:shade val="15000"/>
+            </a:schemeClr>
+          </a:lnRef>
+          <a:fillRef idx="1">
+            <a:schemeClr val="accent1"/>
+          </a:fillRef>
+          <a:effectRef idx="0">
+            <a:schemeClr val="accent1"/>
+          </a:effectRef>
+          <a:fontRef idx="minor">
+            <a:schemeClr val="lt1"/>
+          </a:fontRef>
+        </p:style>
+        <p:txBody>
+          <a:bodyPr rtlCol="0" anchor="ctr"/>
+          <a:lstStyle/>
+          <a:p>
+            <a:r>
+              <a:rPr lang="ja-JP" altLang="en-US" sz="2400">
+                <a:solidFill>
+                  <a:schemeClr val="tx1">
+                    <a:lumMod val="85000"/>
+                    <a:lumOff val="15000"/>
+                  </a:schemeClr>
+                </a:solidFill>
+              </a:rPr>
+              <a:t>ジャズ感</a:t>
+            </a:r>
+            <a:endParaRPr kumimoji="1" lang="ja-JP" altLang="en-US" sz="2400">
+              <a:solidFill>
+                <a:schemeClr val="tx1">
+                  <a:lumMod val="85000"/>
+                  <a:lumOff val="15000"/>
+                </a:schemeClr>
+              </a:solidFill>
+            </a:endParaRPr>
+          </a:p>
+        </p:txBody>
+      </p:sp>
+      <p:sp>
+        <p:nvSpPr>
+          <p:cNvPr id="41" name="正方形/長方形 40">
+            <a:extLst>
+              <a:ext uri="{FF2B5EF4-FFF2-40B4-BE49-F238E27FC236}">
+                <a16:creationId xmlns:a16="http://schemas.microsoft.com/office/drawing/2014/main" id="{9F26F3C7-7900-6F8E-EAC0-3100365DA5C7}"/>
+              </a:ext>
+            </a:extLst>
+          </p:cNvPr>
+          <p:cNvSpPr/>
+          <p:nvPr/>
+        </p:nvSpPr>
+        <p:spPr>
+          <a:xfrm>
+            <a:off x="10091991" y="9075131"/>
+            <a:ext cx="2674456" cy="577360"/>
+          </a:xfrm>
+          <a:prstGeom prst="rect">
+            <a:avLst/>
+          </a:prstGeom>
+          <a:solidFill>
+            <a:srgbClr val="FEFEFE"/>
+          </a:solidFill>
+          <a:ln>
+            <a:solidFill>
+              <a:srgbClr val="5D605F"/>
+            </a:solidFill>
+          </a:ln>
+        </p:spPr>
+        <p:style>
+          <a:lnRef idx="2">
+            <a:schemeClr val="accent1">
+              <a:shade val="15000"/>
+            </a:schemeClr>
+          </a:lnRef>
+          <a:fillRef idx="1">
+            <a:schemeClr val="accent1"/>
+          </a:fillRef>
+          <a:effectRef idx="0">
+            <a:schemeClr val="accent1"/>
+          </a:effectRef>
+          <a:fontRef idx="minor">
+            <a:schemeClr val="lt1"/>
+          </a:fontRef>
+        </p:style>
+        <p:txBody>
+          <a:bodyPr rtlCol="0" anchor="ctr"/>
+          <a:lstStyle/>
+          <a:p>
+            <a:pPr algn="ctr"/>
+            <a:r>
+              <a:rPr lang="ja-JP" altLang="en-US" sz="2000">
+                <a:solidFill>
+                  <a:schemeClr val="tx1">
+                    <a:lumMod val="85000"/>
+                    <a:lumOff val="15000"/>
+                  </a:schemeClr>
+                </a:solidFill>
+              </a:rPr>
+              <a:t>概念パラメータ指定</a:t>
+            </a:r>
+            <a:endParaRPr kumimoji="1" lang="ja-JP" altLang="en-US" sz="2000">
+              <a:solidFill>
+                <a:schemeClr val="tx1">
+                  <a:lumMod val="85000"/>
+                  <a:lumOff val="15000"/>
+                </a:schemeClr>
+              </a:solidFill>
+            </a:endParaRPr>
+          </a:p>
+        </p:txBody>
+      </p:sp>
+      <p:sp>
+        <p:nvSpPr>
+          <p:cNvPr id="5" name="正方形/長方形 4">
+            <a:extLst>
+              <a:ext uri="{FF2B5EF4-FFF2-40B4-BE49-F238E27FC236}">
+                <a16:creationId xmlns:a16="http://schemas.microsoft.com/office/drawing/2014/main" id="{94134E3E-72DC-A513-D482-0FDC01498D8A}"/>
+              </a:ext>
+            </a:extLst>
+          </p:cNvPr>
+          <p:cNvSpPr/>
+          <p:nvPr/>
+        </p:nvSpPr>
+        <p:spPr>
+          <a:xfrm>
+            <a:off x="3189827" y="4795285"/>
+            <a:ext cx="6583974" cy="388318"/>
+          </a:xfrm>
+          <a:prstGeom prst="rect">
+            <a:avLst/>
+          </a:prstGeom>
+          <a:solidFill>
+            <a:srgbClr val="233625"/>
+          </a:solidFill>
+          <a:ln>
+            <a:noFill/>
+          </a:ln>
+        </p:spPr>
+        <p:style>
+          <a:lnRef idx="2">
+            <a:schemeClr val="accent1">
+              <a:shade val="15000"/>
+            </a:schemeClr>
+          </a:lnRef>
+          <a:fillRef idx="1">
+            <a:schemeClr val="accent1"/>
+          </a:fillRef>
+          <a:effectRef idx="0">
+            <a:schemeClr val="accent1"/>
+          </a:effectRef>
+          <a:fontRef idx="minor">
+            <a:schemeClr val="lt1"/>
+          </a:fontRef>
+        </p:style>
+        <p:txBody>
+          <a:bodyPr rtlCol="0" anchor="ctr"/>
+          <a:lstStyle/>
+          <a:p>
+            <a:pPr algn="ctr"/>
+            <a:endParaRPr kumimoji="1" lang="ja-JP" altLang="en-US"/>
+          </a:p>
+        </p:txBody>
+      </p:sp>
+      <p:sp>
+        <p:nvSpPr>
+          <p:cNvPr id="6" name="正方形/長方形 5">
+            <a:extLst>
+              <a:ext uri="{FF2B5EF4-FFF2-40B4-BE49-F238E27FC236}">
+                <a16:creationId xmlns:a16="http://schemas.microsoft.com/office/drawing/2014/main" id="{4CDC2521-F38B-1088-196F-12C77F1D6639}"/>
+              </a:ext>
+            </a:extLst>
+          </p:cNvPr>
+          <p:cNvSpPr/>
+          <p:nvPr/>
+        </p:nvSpPr>
+        <p:spPr>
+          <a:xfrm>
+            <a:off x="3218316" y="1982460"/>
+            <a:ext cx="6511697" cy="452738"/>
+          </a:xfrm>
+          <a:prstGeom prst="rect">
+            <a:avLst/>
+          </a:prstGeom>
+          <a:solidFill>
+            <a:srgbClr val="233625"/>
+          </a:solidFill>
+          <a:ln>
+            <a:noFill/>
+          </a:ln>
+        </p:spPr>
+        <p:style>
+          <a:lnRef idx="2">
+            <a:schemeClr val="accent1">
+              <a:shade val="15000"/>
+            </a:schemeClr>
+          </a:lnRef>
+          <a:fillRef idx="1">
+            <a:schemeClr val="accent1"/>
+          </a:fillRef>
+          <a:effectRef idx="0">
+            <a:schemeClr val="accent1"/>
+          </a:effectRef>
+          <a:fontRef idx="minor">
+            <a:schemeClr val="lt1"/>
+          </a:fontRef>
+        </p:style>
+        <p:txBody>
+          <a:bodyPr rtlCol="0" anchor="ctr"/>
+          <a:lstStyle/>
+          <a:p>
+            <a:pPr algn="ctr"/>
+            <a:endParaRPr kumimoji="1" lang="ja-JP" altLang="en-US"/>
+          </a:p>
+        </p:txBody>
+      </p:sp>
+      <p:cxnSp>
+        <p:nvCxnSpPr>
+          <p:cNvPr id="19" name="直線矢印コネクタ 18">
+            <a:extLst>
+              <a:ext uri="{FF2B5EF4-FFF2-40B4-BE49-F238E27FC236}">
+                <a16:creationId xmlns:a16="http://schemas.microsoft.com/office/drawing/2014/main" id="{A5FA07DC-4F84-FD63-FC0F-6C1A336D5F2A}"/>
+              </a:ext>
+            </a:extLst>
+          </p:cNvPr>
+          <p:cNvCxnSpPr>
+            <a:cxnSpLocks/>
+          </p:cNvCxnSpPr>
+          <p:nvPr/>
+        </p:nvCxnSpPr>
+        <p:spPr>
+          <a:xfrm flipV="1">
+            <a:off x="4850586" y="1982463"/>
+            <a:ext cx="0" cy="3201143"/>
+          </a:xfrm>
+          <a:prstGeom prst="straightConnector1">
+            <a:avLst/>
+          </a:prstGeom>
+          <a:ln w="38100">
+            <a:solidFill>
+              <a:srgbClr val="2A402C"/>
+            </a:solidFill>
+            <a:headEnd type="none" w="med" len="med"/>
+            <a:tailEnd type="none" w="med" len="med"/>
+          </a:ln>
+        </p:spPr>
+        <p:style>
+          <a:lnRef idx="2">
+            <a:schemeClr val="accent1"/>
+          </a:lnRef>
+          <a:fillRef idx="0">
+            <a:schemeClr val="accent1"/>
+          </a:fillRef>
+          <a:effectRef idx="1">
+            <a:schemeClr val="accent1"/>
+          </a:effectRef>
+          <a:fontRef idx="minor">
+            <a:schemeClr val="tx1"/>
+          </a:fontRef>
+        </p:style>
+      </p:cxnSp>
+      <p:cxnSp>
+        <p:nvCxnSpPr>
+          <p:cNvPr id="20" name="直線矢印コネクタ 19">
+            <a:extLst>
+              <a:ext uri="{FF2B5EF4-FFF2-40B4-BE49-F238E27FC236}">
+                <a16:creationId xmlns:a16="http://schemas.microsoft.com/office/drawing/2014/main" id="{691ECEB8-09A5-1F71-1A1F-A8723BF26ADD}"/>
+              </a:ext>
+            </a:extLst>
+          </p:cNvPr>
+          <p:cNvCxnSpPr>
+            <a:cxnSpLocks/>
+          </p:cNvCxnSpPr>
+          <p:nvPr/>
+        </p:nvCxnSpPr>
+        <p:spPr>
+          <a:xfrm flipV="1">
+            <a:off x="6546928" y="1982463"/>
+            <a:ext cx="0" cy="3201143"/>
+          </a:xfrm>
+          <a:prstGeom prst="straightConnector1">
+            <a:avLst/>
+          </a:prstGeom>
+          <a:ln w="38100">
+            <a:solidFill>
+              <a:srgbClr val="2A402C"/>
+            </a:solidFill>
+            <a:headEnd type="none" w="med" len="med"/>
+            <a:tailEnd type="none" w="med" len="med"/>
+          </a:ln>
+        </p:spPr>
+        <p:style>
+          <a:lnRef idx="2">
+            <a:schemeClr val="accent1"/>
+          </a:lnRef>
+          <a:fillRef idx="0">
+            <a:schemeClr val="accent1"/>
+          </a:fillRef>
+          <a:effectRef idx="1">
+            <a:schemeClr val="accent1"/>
+          </a:effectRef>
+          <a:fontRef idx="minor">
+            <a:schemeClr val="tx1"/>
+          </a:fontRef>
+        </p:style>
+      </p:cxnSp>
+      <p:cxnSp>
+        <p:nvCxnSpPr>
+          <p:cNvPr id="21" name="直線矢印コネクタ 20">
+            <a:extLst>
+              <a:ext uri="{FF2B5EF4-FFF2-40B4-BE49-F238E27FC236}">
+                <a16:creationId xmlns:a16="http://schemas.microsoft.com/office/drawing/2014/main" id="{454C12E3-1D59-C759-ADFC-87729274F06E}"/>
+              </a:ext>
+            </a:extLst>
+          </p:cNvPr>
+          <p:cNvCxnSpPr>
+            <a:cxnSpLocks/>
+          </p:cNvCxnSpPr>
+          <p:nvPr/>
+        </p:nvCxnSpPr>
+        <p:spPr>
+          <a:xfrm flipV="1">
+            <a:off x="8291553" y="1982463"/>
+            <a:ext cx="0" cy="3201143"/>
+          </a:xfrm>
+          <a:prstGeom prst="straightConnector1">
+            <a:avLst/>
+          </a:prstGeom>
+          <a:ln w="38100">
+            <a:solidFill>
+              <a:srgbClr val="2A402C"/>
+            </a:solidFill>
+            <a:headEnd type="none" w="med" len="med"/>
+            <a:tailEnd type="none" w="med" len="med"/>
+          </a:ln>
+        </p:spPr>
+        <p:style>
+          <a:lnRef idx="2">
+            <a:schemeClr val="accent1"/>
+          </a:lnRef>
+          <a:fillRef idx="0">
+            <a:schemeClr val="accent1"/>
+          </a:fillRef>
+          <a:effectRef idx="1">
+            <a:schemeClr val="accent1"/>
+          </a:effectRef>
+          <a:fontRef idx="minor">
+            <a:schemeClr val="tx1"/>
+          </a:fontRef>
+        </p:style>
+      </p:cxnSp>
+      <p:cxnSp>
+        <p:nvCxnSpPr>
+          <p:cNvPr id="25" name="直線矢印コネクタ 24">
+            <a:extLst>
+              <a:ext uri="{FF2B5EF4-FFF2-40B4-BE49-F238E27FC236}">
+                <a16:creationId xmlns:a16="http://schemas.microsoft.com/office/drawing/2014/main" id="{7F197FA3-6CD1-9525-6D38-D17E4A7AB554}"/>
+              </a:ext>
+            </a:extLst>
+          </p:cNvPr>
+          <p:cNvCxnSpPr>
+            <a:cxnSpLocks/>
+          </p:cNvCxnSpPr>
+          <p:nvPr/>
+        </p:nvCxnSpPr>
+        <p:spPr>
+          <a:xfrm flipV="1">
+            <a:off x="1261411" y="5932321"/>
+            <a:ext cx="0" cy="3268885"/>
+          </a:xfrm>
+          <a:prstGeom prst="straightConnector1">
+            <a:avLst/>
+          </a:prstGeom>
+          <a:ln w="76200">
+            <a:solidFill>
+              <a:srgbClr val="59832A"/>
+            </a:solidFill>
+            <a:tailEnd type="triangle"/>
+          </a:ln>
+        </p:spPr>
+        <p:style>
+          <a:lnRef idx="2">
+            <a:schemeClr val="accent1"/>
+          </a:lnRef>
+          <a:fillRef idx="0">
+            <a:schemeClr val="accent1"/>
+          </a:fillRef>
+          <a:effectRef idx="1">
+            <a:schemeClr val="accent1"/>
+          </a:effectRef>
+          <a:fontRef idx="minor">
+            <a:schemeClr val="tx1"/>
+          </a:fontRef>
+        </p:style>
+      </p:cxnSp>
+      <p:sp>
+        <p:nvSpPr>
+          <p:cNvPr id="27" name="テキスト ボックス 26">
+            <a:extLst>
+              <a:ext uri="{FF2B5EF4-FFF2-40B4-BE49-F238E27FC236}">
+                <a16:creationId xmlns:a16="http://schemas.microsoft.com/office/drawing/2014/main" id="{52C3556A-13CF-1564-68C3-89CB0B399182}"/>
+              </a:ext>
+            </a:extLst>
+          </p:cNvPr>
+          <p:cNvSpPr txBox="1"/>
+          <p:nvPr/>
+        </p:nvSpPr>
+        <p:spPr>
+          <a:xfrm>
+            <a:off x="3288639" y="2041270"/>
+            <a:ext cx="1457216" cy="369332"/>
+          </a:xfrm>
+          <a:prstGeom prst="rect">
+            <a:avLst/>
+          </a:prstGeom>
+          <a:noFill/>
+        </p:spPr>
+        <p:txBody>
+          <a:bodyPr wrap="square" rtlCol="0">
+            <a:spAutoFit/>
+          </a:bodyPr>
+          <a:lstStyle/>
+          <a:p>
+            <a:r>
+              <a:rPr lang="en-US" altLang="ja-JP">
+                <a:solidFill>
+                  <a:schemeClr val="bg1"/>
+                </a:solidFill>
+              </a:rPr>
+              <a:t>y</a:t>
+            </a:r>
+            <a:r>
+              <a:rPr kumimoji="1" lang="en-US" altLang="ja-JP">
+                <a:solidFill>
+                  <a:schemeClr val="bg1"/>
+                </a:solidFill>
+              </a:rPr>
+              <a:t>:</a:t>
+            </a:r>
+            <a:r>
+              <a:rPr lang="ja-JP" altLang="en-US">
+                <a:solidFill>
+                  <a:schemeClr val="bg1"/>
+                </a:solidFill>
+              </a:rPr>
+              <a:t>ジャズ</a:t>
+            </a:r>
+            <a:r>
+              <a:rPr kumimoji="1" lang="ja-JP" altLang="en-US">
+                <a:solidFill>
+                  <a:schemeClr val="bg1"/>
+                </a:solidFill>
+              </a:rPr>
+              <a:t>感</a:t>
+            </a:r>
+          </a:p>
+        </p:txBody>
+      </p:sp>
+      <p:sp>
+        <p:nvSpPr>
+          <p:cNvPr id="28" name="テキスト ボックス 27">
+            <a:extLst>
+              <a:ext uri="{FF2B5EF4-FFF2-40B4-BE49-F238E27FC236}">
+                <a16:creationId xmlns:a16="http://schemas.microsoft.com/office/drawing/2014/main" id="{CCBB701A-4A09-FB22-DE8E-5D41D0DBDDAF}"/>
+              </a:ext>
+            </a:extLst>
+          </p:cNvPr>
+          <p:cNvSpPr txBox="1"/>
+          <p:nvPr/>
+        </p:nvSpPr>
+        <p:spPr>
+          <a:xfrm>
+            <a:off x="9007218" y="4406939"/>
+            <a:ext cx="708848" cy="369332"/>
+          </a:xfrm>
+          <a:prstGeom prst="rect">
+            <a:avLst/>
+          </a:prstGeom>
+          <a:noFill/>
+        </p:spPr>
+        <p:txBody>
+          <a:bodyPr wrap="none" rtlCol="0">
+            <a:spAutoFit/>
+          </a:bodyPr>
+          <a:lstStyle/>
+          <a:p>
+            <a:r>
+              <a:rPr lang="en-US" altLang="ja-JP">
+                <a:solidFill>
+                  <a:schemeClr val="bg1"/>
+                </a:solidFill>
+              </a:rPr>
+              <a:t>x:bar</a:t>
+            </a:r>
+            <a:endParaRPr kumimoji="1" lang="ja-JP" altLang="en-US">
+              <a:solidFill>
+                <a:schemeClr val="bg1"/>
+              </a:solidFill>
+            </a:endParaRPr>
+          </a:p>
+        </p:txBody>
+      </p:sp>
+      <p:sp>
+        <p:nvSpPr>
+          <p:cNvPr id="29" name="円/楕円 28">
+            <a:extLst>
+              <a:ext uri="{FF2B5EF4-FFF2-40B4-BE49-F238E27FC236}">
+                <a16:creationId xmlns:a16="http://schemas.microsoft.com/office/drawing/2014/main" id="{6CC7819C-844E-354D-F66A-1795ADDB2DA9}"/>
+              </a:ext>
+            </a:extLst>
+          </p:cNvPr>
+          <p:cNvSpPr/>
+          <p:nvPr/>
+        </p:nvSpPr>
+        <p:spPr>
+          <a:xfrm>
+            <a:off x="2234393" y="11293877"/>
+            <a:ext cx="104732" cy="119202"/>
+          </a:xfrm>
+          <a:prstGeom prst="ellipse">
+            <a:avLst/>
+          </a:prstGeom>
+          <a:noFill/>
+          <a:ln w="76200">
+            <a:solidFill>
+              <a:srgbClr val="50FF60"/>
+            </a:solidFill>
+          </a:ln>
+        </p:spPr>
+        <p:style>
+          <a:lnRef idx="2">
+            <a:schemeClr val="accent1">
+              <a:shade val="15000"/>
+            </a:schemeClr>
+          </a:lnRef>
+          <a:fillRef idx="1">
+            <a:schemeClr val="accent1"/>
+          </a:fillRef>
+          <a:effectRef idx="0">
+            <a:schemeClr val="accent1"/>
+          </a:effectRef>
+          <a:fontRef idx="minor">
+            <a:schemeClr val="lt1"/>
+          </a:fontRef>
+        </p:style>
+        <p:txBody>
+          <a:bodyPr rtlCol="0" anchor="ctr"/>
+          <a:lstStyle/>
+          <a:p>
+            <a:pPr algn="ctr"/>
+            <a:endParaRPr kumimoji="1" lang="ja-JP" altLang="en-US"/>
+          </a:p>
+        </p:txBody>
+      </p:sp>
+      <p:cxnSp>
+        <p:nvCxnSpPr>
+          <p:cNvPr id="30" name="直線コネクタ 29">
+            <a:extLst>
+              <a:ext uri="{FF2B5EF4-FFF2-40B4-BE49-F238E27FC236}">
+                <a16:creationId xmlns:a16="http://schemas.microsoft.com/office/drawing/2014/main" id="{443C5D5E-8A3A-4D38-AE07-6677B7A69F81}"/>
+              </a:ext>
+            </a:extLst>
+          </p:cNvPr>
+          <p:cNvCxnSpPr>
+            <a:cxnSpLocks/>
+            <a:stCxn id="29" idx="7"/>
+            <a:endCxn id="31" idx="3"/>
+          </p:cNvCxnSpPr>
+          <p:nvPr/>
+        </p:nvCxnSpPr>
+        <p:spPr>
+          <a:xfrm flipV="1">
+            <a:off x="2323787" y="10838633"/>
+            <a:ext cx="1530335" cy="472701"/>
+          </a:xfrm>
+          <a:prstGeom prst="line">
+            <a:avLst/>
+          </a:prstGeom>
+          <a:ln w="28575">
+            <a:solidFill>
+              <a:srgbClr val="50FF60"/>
+            </a:solidFill>
+          </a:ln>
+        </p:spPr>
+        <p:style>
+          <a:lnRef idx="2">
+            <a:schemeClr val="accent1"/>
+          </a:lnRef>
+          <a:fillRef idx="0">
+            <a:schemeClr val="accent1"/>
+          </a:fillRef>
+          <a:effectRef idx="1">
+            <a:schemeClr val="accent1"/>
+          </a:effectRef>
+          <a:fontRef idx="minor">
+            <a:schemeClr val="tx1"/>
+          </a:fontRef>
+        </p:style>
+      </p:cxnSp>
+      <p:sp>
+        <p:nvSpPr>
+          <p:cNvPr id="31" name="円/楕円 30">
+            <a:extLst>
+              <a:ext uri="{FF2B5EF4-FFF2-40B4-BE49-F238E27FC236}">
+                <a16:creationId xmlns:a16="http://schemas.microsoft.com/office/drawing/2014/main" id="{E2F232D7-BBBF-89D7-8BC1-46CC9C113A01}"/>
+              </a:ext>
+            </a:extLst>
+          </p:cNvPr>
+          <p:cNvSpPr/>
+          <p:nvPr/>
+        </p:nvSpPr>
+        <p:spPr>
+          <a:xfrm>
+            <a:off x="3838785" y="10736888"/>
+            <a:ext cx="104732" cy="119202"/>
+          </a:xfrm>
+          <a:prstGeom prst="ellipse">
+            <a:avLst/>
+          </a:prstGeom>
+          <a:noFill/>
+          <a:ln w="76200">
+            <a:solidFill>
+              <a:srgbClr val="50FF60"/>
+            </a:solidFill>
+          </a:ln>
+        </p:spPr>
+        <p:style>
+          <a:lnRef idx="2">
+            <a:schemeClr val="accent1">
+              <a:shade val="15000"/>
+            </a:schemeClr>
+          </a:lnRef>
+          <a:fillRef idx="1">
+            <a:schemeClr val="accent1"/>
+          </a:fillRef>
+          <a:effectRef idx="0">
+            <a:schemeClr val="accent1"/>
+          </a:effectRef>
+          <a:fontRef idx="minor">
+            <a:schemeClr val="lt1"/>
+          </a:fontRef>
+        </p:style>
+        <p:txBody>
+          <a:bodyPr rtlCol="0" anchor="ctr"/>
+          <a:lstStyle/>
+          <a:p>
+            <a:pPr algn="ctr"/>
+            <a:endParaRPr kumimoji="1" lang="ja-JP" altLang="en-US"/>
+          </a:p>
+        </p:txBody>
+      </p:sp>
+      <p:cxnSp>
+        <p:nvCxnSpPr>
+          <p:cNvPr id="32" name="直線コネクタ 31">
+            <a:extLst>
+              <a:ext uri="{FF2B5EF4-FFF2-40B4-BE49-F238E27FC236}">
+                <a16:creationId xmlns:a16="http://schemas.microsoft.com/office/drawing/2014/main" id="{BEAC4BA0-1E14-05A0-CEC7-96F92A3319CC}"/>
+              </a:ext>
+            </a:extLst>
+          </p:cNvPr>
+          <p:cNvCxnSpPr>
+            <a:cxnSpLocks/>
+            <a:stCxn id="31" idx="6"/>
+            <a:endCxn id="33" idx="3"/>
+          </p:cNvCxnSpPr>
+          <p:nvPr/>
+        </p:nvCxnSpPr>
+        <p:spPr>
+          <a:xfrm flipV="1">
+            <a:off x="3943517" y="8721860"/>
+            <a:ext cx="1694815" cy="2074629"/>
+          </a:xfrm>
+          <a:prstGeom prst="line">
+            <a:avLst/>
+          </a:prstGeom>
+          <a:ln w="28575">
+            <a:solidFill>
+              <a:srgbClr val="50FF60"/>
+            </a:solidFill>
+          </a:ln>
+        </p:spPr>
+        <p:style>
+          <a:lnRef idx="2">
+            <a:schemeClr val="accent1"/>
+          </a:lnRef>
+          <a:fillRef idx="0">
+            <a:schemeClr val="accent1"/>
+          </a:fillRef>
+          <a:effectRef idx="1">
+            <a:schemeClr val="accent1"/>
+          </a:effectRef>
+          <a:fontRef idx="minor">
+            <a:schemeClr val="tx1"/>
+          </a:fontRef>
+        </p:style>
+      </p:cxnSp>
+      <p:sp>
+        <p:nvSpPr>
+          <p:cNvPr id="33" name="円/楕円 32">
+            <a:extLst>
+              <a:ext uri="{FF2B5EF4-FFF2-40B4-BE49-F238E27FC236}">
+                <a16:creationId xmlns:a16="http://schemas.microsoft.com/office/drawing/2014/main" id="{E2F8F3C8-47EA-5921-C4F4-FA74D9E12948}"/>
+              </a:ext>
+            </a:extLst>
+          </p:cNvPr>
+          <p:cNvSpPr/>
+          <p:nvPr/>
+        </p:nvSpPr>
+        <p:spPr>
+          <a:xfrm>
+            <a:off x="5622995" y="8620115"/>
+            <a:ext cx="104732" cy="119202"/>
+          </a:xfrm>
+          <a:prstGeom prst="ellipse">
+            <a:avLst/>
+          </a:prstGeom>
+          <a:noFill/>
+          <a:ln w="76200">
+            <a:solidFill>
+              <a:schemeClr val="accent2"/>
+            </a:solidFill>
+          </a:ln>
+        </p:spPr>
+        <p:style>
+          <a:lnRef idx="2">
+            <a:schemeClr val="accent1">
+              <a:shade val="15000"/>
+            </a:schemeClr>
+          </a:lnRef>
+          <a:fillRef idx="1">
+            <a:schemeClr val="accent1"/>
+          </a:fillRef>
+          <a:effectRef idx="0">
+            <a:schemeClr val="accent1"/>
+          </a:effectRef>
+          <a:fontRef idx="minor">
+            <a:schemeClr val="lt1"/>
+          </a:fontRef>
+        </p:style>
+        <p:txBody>
+          <a:bodyPr rtlCol="0" anchor="ctr"/>
+          <a:lstStyle/>
+          <a:p>
+            <a:pPr algn="ctr"/>
+            <a:endParaRPr kumimoji="1" lang="ja-JP" altLang="en-US">
+              <a:solidFill>
+                <a:schemeClr val="accent2"/>
+              </a:solidFill>
+            </a:endParaRPr>
+          </a:p>
+        </p:txBody>
+      </p:sp>
+      <p:sp>
+        <p:nvSpPr>
+          <p:cNvPr id="34" name="円/楕円 33">
+            <a:extLst>
+              <a:ext uri="{FF2B5EF4-FFF2-40B4-BE49-F238E27FC236}">
+                <a16:creationId xmlns:a16="http://schemas.microsoft.com/office/drawing/2014/main" id="{32C8910A-28C4-BC49-E2AC-E7B4510654D9}"/>
+              </a:ext>
+            </a:extLst>
+          </p:cNvPr>
+          <p:cNvSpPr/>
+          <p:nvPr/>
+        </p:nvSpPr>
+        <p:spPr>
+          <a:xfrm>
+            <a:off x="7199612" y="10002362"/>
+            <a:ext cx="104732" cy="119202"/>
+          </a:xfrm>
+          <a:prstGeom prst="ellipse">
+            <a:avLst/>
+          </a:prstGeom>
+          <a:noFill/>
+          <a:ln w="76200">
+            <a:solidFill>
+              <a:srgbClr val="50FF60"/>
+            </a:solidFill>
+          </a:ln>
+        </p:spPr>
+        <p:style>
+          <a:lnRef idx="2">
+            <a:schemeClr val="accent1">
+              <a:shade val="15000"/>
+            </a:schemeClr>
+          </a:lnRef>
+          <a:fillRef idx="1">
+            <a:schemeClr val="accent1"/>
+          </a:fillRef>
+          <a:effectRef idx="0">
+            <a:schemeClr val="accent1"/>
+          </a:effectRef>
+          <a:fontRef idx="minor">
+            <a:schemeClr val="lt1"/>
+          </a:fontRef>
+        </p:style>
+        <p:txBody>
+          <a:bodyPr rtlCol="0" anchor="ctr"/>
+          <a:lstStyle/>
+          <a:p>
+            <a:pPr algn="ctr"/>
+            <a:endParaRPr kumimoji="1" lang="ja-JP" altLang="en-US"/>
+          </a:p>
+        </p:txBody>
+      </p:sp>
+      <p:cxnSp>
+        <p:nvCxnSpPr>
+          <p:cNvPr id="35" name="直線コネクタ 34">
+            <a:extLst>
+              <a:ext uri="{FF2B5EF4-FFF2-40B4-BE49-F238E27FC236}">
+                <a16:creationId xmlns:a16="http://schemas.microsoft.com/office/drawing/2014/main" id="{98468A12-BC32-7266-1C23-B1042615F20D}"/>
+              </a:ext>
+            </a:extLst>
+          </p:cNvPr>
+          <p:cNvCxnSpPr>
+            <a:cxnSpLocks/>
+            <a:stCxn id="33" idx="6"/>
+            <a:endCxn id="34" idx="2"/>
+          </p:cNvCxnSpPr>
+          <p:nvPr/>
+        </p:nvCxnSpPr>
+        <p:spPr>
+          <a:xfrm>
+            <a:off x="5727727" y="8679716"/>
+            <a:ext cx="1471886" cy="1382247"/>
+          </a:xfrm>
+          <a:prstGeom prst="line">
+            <a:avLst/>
+          </a:prstGeom>
+          <a:ln w="28575">
+            <a:solidFill>
+              <a:srgbClr val="50FF60"/>
+            </a:solidFill>
+          </a:ln>
+        </p:spPr>
+        <p:style>
+          <a:lnRef idx="2">
+            <a:schemeClr val="accent1"/>
+          </a:lnRef>
+          <a:fillRef idx="0">
+            <a:schemeClr val="accent1"/>
+          </a:fillRef>
+          <a:effectRef idx="1">
+            <a:schemeClr val="accent1"/>
+          </a:effectRef>
+          <a:fontRef idx="minor">
+            <a:schemeClr val="tx1"/>
+          </a:fontRef>
+        </p:style>
+      </p:cxnSp>
+      <p:sp>
+        <p:nvSpPr>
+          <p:cNvPr id="36" name="テキスト ボックス 35">
+            <a:extLst>
+              <a:ext uri="{FF2B5EF4-FFF2-40B4-BE49-F238E27FC236}">
+                <a16:creationId xmlns:a16="http://schemas.microsoft.com/office/drawing/2014/main" id="{E4B087AA-DA07-7211-8DBF-8A562086AC34}"/>
+              </a:ext>
+            </a:extLst>
+          </p:cNvPr>
+          <p:cNvSpPr txBox="1"/>
+          <p:nvPr/>
+        </p:nvSpPr>
+        <p:spPr>
+          <a:xfrm>
+            <a:off x="1798003" y="8383435"/>
+            <a:ext cx="461099" cy="369332"/>
+          </a:xfrm>
+          <a:prstGeom prst="rect">
+            <a:avLst/>
+          </a:prstGeom>
+          <a:noFill/>
+        </p:spPr>
+        <p:txBody>
+          <a:bodyPr wrap="none" rtlCol="0">
+            <a:spAutoFit/>
+          </a:bodyPr>
+          <a:lstStyle/>
+          <a:p>
+            <a:r>
+              <a:rPr lang="en-US" altLang="ja-JP" b="1">
+                <a:solidFill>
+                  <a:srgbClr val="56802A"/>
+                </a:solidFill>
+              </a:rPr>
+              <a:t>min</a:t>
+            </a:r>
+            <a:endParaRPr kumimoji="1" lang="ja-JP" altLang="en-US" b="1">
+              <a:solidFill>
+                <a:srgbClr val="56802A"/>
+              </a:solidFill>
+            </a:endParaRPr>
+          </a:p>
+        </p:txBody>
+      </p:sp>
+      <p:sp>
+        <p:nvSpPr>
+          <p:cNvPr id="37" name="テキスト ボックス 36">
+            <a:extLst>
+              <a:ext uri="{FF2B5EF4-FFF2-40B4-BE49-F238E27FC236}">
+                <a16:creationId xmlns:a16="http://schemas.microsoft.com/office/drawing/2014/main" id="{9E67F30D-FEDC-C03E-D102-970BB02D4A24}"/>
+              </a:ext>
+            </a:extLst>
+          </p:cNvPr>
+          <p:cNvSpPr txBox="1"/>
+          <p:nvPr/>
+        </p:nvSpPr>
+        <p:spPr>
+          <a:xfrm>
+            <a:off x="4850586" y="4439730"/>
+            <a:ext cx="242929" cy="369332"/>
+          </a:xfrm>
+          <a:prstGeom prst="rect">
+            <a:avLst/>
+          </a:prstGeom>
+          <a:noFill/>
+        </p:spPr>
+        <p:txBody>
+          <a:bodyPr wrap="none" rtlCol="0">
+            <a:spAutoFit/>
+          </a:bodyPr>
+          <a:lstStyle/>
+          <a:p>
+            <a:r>
+              <a:rPr lang="en-US" altLang="ja-JP" b="1">
+                <a:solidFill>
+                  <a:srgbClr val="56802A"/>
+                </a:solidFill>
+              </a:rPr>
+              <a:t>4</a:t>
+            </a:r>
+            <a:endParaRPr kumimoji="1" lang="ja-JP" altLang="en-US" b="1">
+              <a:solidFill>
+                <a:srgbClr val="56802A"/>
+              </a:solidFill>
+            </a:endParaRPr>
+          </a:p>
+        </p:txBody>
+      </p:sp>
+      <p:sp>
+        <p:nvSpPr>
+          <p:cNvPr id="38" name="テキスト ボックス 37">
+            <a:extLst>
+              <a:ext uri="{FF2B5EF4-FFF2-40B4-BE49-F238E27FC236}">
+                <a16:creationId xmlns:a16="http://schemas.microsoft.com/office/drawing/2014/main" id="{5A267575-FCF8-CCB3-FEED-4A7DEFA2C76E}"/>
+              </a:ext>
+            </a:extLst>
+          </p:cNvPr>
+          <p:cNvSpPr txBox="1"/>
+          <p:nvPr/>
+        </p:nvSpPr>
+        <p:spPr>
+          <a:xfrm>
+            <a:off x="6536182" y="4439730"/>
+            <a:ext cx="242929" cy="369332"/>
+          </a:xfrm>
+          <a:prstGeom prst="rect">
+            <a:avLst/>
+          </a:prstGeom>
+          <a:noFill/>
+        </p:spPr>
+        <p:txBody>
+          <a:bodyPr wrap="none" rtlCol="0">
+            <a:spAutoFit/>
+          </a:bodyPr>
+          <a:lstStyle/>
+          <a:p>
+            <a:r>
+              <a:rPr kumimoji="1" lang="en-US" altLang="ja-JP" b="1">
+                <a:solidFill>
+                  <a:srgbClr val="56802A"/>
+                </a:solidFill>
+              </a:rPr>
+              <a:t>8</a:t>
+            </a:r>
+            <a:endParaRPr kumimoji="1" lang="ja-JP" altLang="en-US" b="1">
+              <a:solidFill>
+                <a:srgbClr val="56802A"/>
+              </a:solidFill>
+            </a:endParaRPr>
+          </a:p>
+        </p:txBody>
+      </p:sp>
+      <p:sp>
+        <p:nvSpPr>
+          <p:cNvPr id="39" name="テキスト ボックス 38">
+            <a:extLst>
+              <a:ext uri="{FF2B5EF4-FFF2-40B4-BE49-F238E27FC236}">
+                <a16:creationId xmlns:a16="http://schemas.microsoft.com/office/drawing/2014/main" id="{F3BC5745-1AA3-F209-A742-325B43AF4DDD}"/>
+              </a:ext>
+            </a:extLst>
+          </p:cNvPr>
+          <p:cNvSpPr txBox="1"/>
+          <p:nvPr/>
+        </p:nvSpPr>
+        <p:spPr>
+          <a:xfrm>
+            <a:off x="8292855" y="4439730"/>
+            <a:ext cx="344659" cy="369332"/>
+          </a:xfrm>
+          <a:prstGeom prst="rect">
+            <a:avLst/>
+          </a:prstGeom>
+          <a:noFill/>
+        </p:spPr>
+        <p:txBody>
+          <a:bodyPr wrap="none" rtlCol="0">
+            <a:spAutoFit/>
+          </a:bodyPr>
+          <a:lstStyle/>
+          <a:p>
+            <a:r>
+              <a:rPr lang="en-US" altLang="ja-JP" b="1">
+                <a:solidFill>
+                  <a:srgbClr val="56802A"/>
+                </a:solidFill>
+              </a:rPr>
+              <a:t>12</a:t>
+            </a:r>
+            <a:endParaRPr kumimoji="1" lang="ja-JP" altLang="en-US" b="1">
+              <a:solidFill>
+                <a:srgbClr val="56802A"/>
+              </a:solidFill>
+            </a:endParaRPr>
+          </a:p>
+        </p:txBody>
+      </p:sp>
+      <p:sp>
+        <p:nvSpPr>
+          <p:cNvPr id="42" name="テキスト ボックス 41">
+            <a:extLst>
+              <a:ext uri="{FF2B5EF4-FFF2-40B4-BE49-F238E27FC236}">
+                <a16:creationId xmlns:a16="http://schemas.microsoft.com/office/drawing/2014/main" id="{220F99E6-570B-D941-AC63-935D8969054B}"/>
+              </a:ext>
+            </a:extLst>
+          </p:cNvPr>
+          <p:cNvSpPr txBox="1"/>
+          <p:nvPr/>
+        </p:nvSpPr>
+        <p:spPr>
+          <a:xfrm>
+            <a:off x="1722579" y="5935808"/>
+            <a:ext cx="499095" cy="369332"/>
+          </a:xfrm>
+          <a:prstGeom prst="rect">
+            <a:avLst/>
+          </a:prstGeom>
+          <a:noFill/>
+        </p:spPr>
+        <p:txBody>
+          <a:bodyPr wrap="none" rtlCol="0">
+            <a:spAutoFit/>
+          </a:bodyPr>
+          <a:lstStyle/>
+          <a:p>
+            <a:r>
+              <a:rPr kumimoji="1" lang="en-US" altLang="ja-JP" b="1">
+                <a:solidFill>
+                  <a:srgbClr val="56802A"/>
+                </a:solidFill>
+              </a:rPr>
+              <a:t>max</a:t>
+            </a:r>
+            <a:endParaRPr kumimoji="1" lang="ja-JP" altLang="en-US" b="1">
+              <a:solidFill>
+                <a:srgbClr val="56802A"/>
+              </a:solidFill>
+            </a:endParaRPr>
+          </a:p>
+        </p:txBody>
+      </p:sp>
+      <p:cxnSp>
+        <p:nvCxnSpPr>
+          <p:cNvPr id="43" name="直線コネクタ 42">
+            <a:extLst>
+              <a:ext uri="{FF2B5EF4-FFF2-40B4-BE49-F238E27FC236}">
+                <a16:creationId xmlns:a16="http://schemas.microsoft.com/office/drawing/2014/main" id="{CA8FC9ED-D04D-B9DC-503E-FB58ED04EF83}"/>
+              </a:ext>
+            </a:extLst>
+          </p:cNvPr>
+          <p:cNvCxnSpPr>
+            <a:cxnSpLocks/>
+            <a:stCxn id="34" idx="6"/>
+          </p:cNvCxnSpPr>
+          <p:nvPr/>
+        </p:nvCxnSpPr>
+        <p:spPr>
+          <a:xfrm flipV="1">
+            <a:off x="7304344" y="10061384"/>
+            <a:ext cx="689146" cy="579"/>
+          </a:xfrm>
+          <a:prstGeom prst="line">
+            <a:avLst/>
+          </a:prstGeom>
+          <a:ln w="28575">
+            <a:solidFill>
+              <a:srgbClr val="50FF60"/>
+            </a:solidFill>
+          </a:ln>
+        </p:spPr>
+        <p:style>
+          <a:lnRef idx="2">
+            <a:schemeClr val="accent1"/>
+          </a:lnRef>
+          <a:fillRef idx="0">
+            <a:schemeClr val="accent1"/>
+          </a:fillRef>
+          <a:effectRef idx="1">
+            <a:schemeClr val="accent1"/>
+          </a:effectRef>
+          <a:fontRef idx="minor">
+            <a:schemeClr val="tx1"/>
+          </a:fontRef>
+        </p:style>
+      </p:cxnSp>
+      <p:cxnSp>
+        <p:nvCxnSpPr>
+          <p:cNvPr id="26" name="直線矢印コネクタ 25">
+            <a:extLst>
+              <a:ext uri="{FF2B5EF4-FFF2-40B4-BE49-F238E27FC236}">
+                <a16:creationId xmlns:a16="http://schemas.microsoft.com/office/drawing/2014/main" id="{8EDF3CB0-9531-0D34-D81B-6D45542AE8B0}"/>
+              </a:ext>
+            </a:extLst>
+          </p:cNvPr>
+          <p:cNvCxnSpPr>
+            <a:cxnSpLocks/>
+          </p:cNvCxnSpPr>
+          <p:nvPr/>
+        </p:nvCxnSpPr>
+        <p:spPr>
+          <a:xfrm>
+            <a:off x="3175427" y="4822472"/>
+            <a:ext cx="6692786" cy="0"/>
+          </a:xfrm>
+          <a:prstGeom prst="straightConnector1">
+            <a:avLst/>
+          </a:prstGeom>
+          <a:ln w="76200">
+            <a:solidFill>
+              <a:srgbClr val="59832A"/>
+            </a:solidFill>
+            <a:tailEnd type="triangle"/>
+          </a:ln>
+        </p:spPr>
+        <p:style>
+          <a:lnRef idx="2">
+            <a:schemeClr val="accent1"/>
+          </a:lnRef>
+          <a:fillRef idx="0">
+            <a:schemeClr val="accent1"/>
+          </a:fillRef>
+          <a:effectRef idx="1">
+            <a:schemeClr val="accent1"/>
+          </a:effectRef>
+          <a:fontRef idx="minor">
+            <a:schemeClr val="tx1"/>
+          </a:fontRef>
+        </p:style>
+      </p:cxnSp>
+      <p:sp>
+        <p:nvSpPr>
+          <p:cNvPr id="71" name="角丸四角形 70">
+            <a:extLst>
+              <a:ext uri="{FF2B5EF4-FFF2-40B4-BE49-F238E27FC236}">
+                <a16:creationId xmlns:a16="http://schemas.microsoft.com/office/drawing/2014/main" id="{9A50D7AF-8827-BE2B-D915-55FC97A92A04}"/>
+              </a:ext>
+            </a:extLst>
+          </p:cNvPr>
+          <p:cNvSpPr/>
+          <p:nvPr/>
+        </p:nvSpPr>
+        <p:spPr>
+          <a:xfrm>
+            <a:off x="10868769" y="8169891"/>
+            <a:ext cx="1645355" cy="577360"/>
+          </a:xfrm>
+          <a:prstGeom prst="roundRect">
+            <a:avLst>
+              <a:gd name="adj" fmla="val 14782"/>
+            </a:avLst>
+          </a:prstGeom>
+          <a:solidFill>
+            <a:schemeClr val="accent6"/>
+          </a:solidFill>
+          <a:ln>
+            <a:solidFill>
+              <a:srgbClr val="5D605F"/>
+            </a:solidFill>
+          </a:ln>
+        </p:spPr>
+        <p:style>
+          <a:lnRef idx="2">
+            <a:schemeClr val="accent1">
+              <a:shade val="15000"/>
+            </a:schemeClr>
+          </a:lnRef>
+          <a:fillRef idx="1">
+            <a:schemeClr val="accent1"/>
+          </a:fillRef>
+          <a:effectRef idx="0">
+            <a:schemeClr val="accent1"/>
+          </a:effectRef>
+          <a:fontRef idx="minor">
+            <a:schemeClr val="lt1"/>
+          </a:fontRef>
+        </p:style>
+        <p:txBody>
+          <a:bodyPr rtlCol="0" anchor="ctr"/>
+          <a:lstStyle/>
+          <a:p>
+            <a:pPr algn="ctr"/>
+            <a:r>
+              <a:rPr kumimoji="1" lang="ja-JP" altLang="en-US" sz="2000" b="1">
+                <a:solidFill>
+                  <a:schemeClr val="bg1"/>
+                </a:solidFill>
+                <a:latin typeface="Hiragino Kaku Gothic Pro W6" panose="020B0300000000000000" pitchFamily="34" charset="-128"/>
+                <a:ea typeface="Hiragino Kaku Gothic Pro W6" panose="020B0300000000000000" pitchFamily="34" charset="-128"/>
+              </a:rPr>
+              <a:t>全体</a:t>
+            </a:r>
+          </a:p>
+        </p:txBody>
+      </p:sp>
+      <p:sp>
+        <p:nvSpPr>
+          <p:cNvPr id="76" name="テキスト ボックス 75">
+            <a:extLst>
+              <a:ext uri="{FF2B5EF4-FFF2-40B4-BE49-F238E27FC236}">
+                <a16:creationId xmlns:a16="http://schemas.microsoft.com/office/drawing/2014/main" id="{5D2259ED-6D69-225E-F969-7C46E062F858}"/>
+              </a:ext>
+            </a:extLst>
+          </p:cNvPr>
+          <p:cNvSpPr txBox="1"/>
+          <p:nvPr/>
+        </p:nvSpPr>
+        <p:spPr>
+          <a:xfrm>
+            <a:off x="9946942" y="8300118"/>
+            <a:ext cx="878767" cy="369332"/>
+          </a:xfrm>
+          <a:prstGeom prst="rect">
+            <a:avLst/>
+          </a:prstGeom>
+          <a:noFill/>
+        </p:spPr>
+        <p:txBody>
+          <a:bodyPr wrap="none" rtlCol="0">
+            <a:spAutoFit/>
+          </a:bodyPr>
+          <a:lstStyle/>
+          <a:p>
+            <a:r>
+              <a:rPr lang="en-US" altLang="ja-JP">
+                <a:solidFill>
+                  <a:schemeClr val="bg1"/>
+                </a:solidFill>
+              </a:rPr>
+              <a:t>Target</a:t>
+            </a:r>
+            <a:endParaRPr kumimoji="1" lang="ja-JP" altLang="en-US">
+              <a:solidFill>
+                <a:schemeClr val="bg1"/>
+              </a:solidFill>
+            </a:endParaRPr>
+          </a:p>
+        </p:txBody>
+      </p:sp>
+      <p:sp>
+        <p:nvSpPr>
+          <p:cNvPr id="78" name="テキスト ボックス 77">
+            <a:extLst>
+              <a:ext uri="{FF2B5EF4-FFF2-40B4-BE49-F238E27FC236}">
+                <a16:creationId xmlns:a16="http://schemas.microsoft.com/office/drawing/2014/main" id="{E007B7EB-DF99-BA50-03B1-F5E6D595A653}"/>
+              </a:ext>
+            </a:extLst>
+          </p:cNvPr>
+          <p:cNvSpPr txBox="1"/>
+          <p:nvPr/>
+        </p:nvSpPr>
+        <p:spPr>
+          <a:xfrm>
+            <a:off x="9940683" y="7474875"/>
+            <a:ext cx="853119" cy="369332"/>
+          </a:xfrm>
+          <a:prstGeom prst="rect">
+            <a:avLst/>
+          </a:prstGeom>
+          <a:noFill/>
+        </p:spPr>
+        <p:txBody>
+          <a:bodyPr wrap="none" rtlCol="0">
+            <a:spAutoFit/>
+          </a:bodyPr>
+          <a:lstStyle/>
+          <a:p>
+            <a:r>
+              <a:rPr kumimoji="1" lang="en-US" altLang="ja-JP">
+                <a:solidFill>
+                  <a:schemeClr val="bg1"/>
+                </a:solidFill>
+              </a:rPr>
+              <a:t>Y-axis</a:t>
+            </a:r>
+            <a:endParaRPr kumimoji="1" lang="ja-JP" altLang="en-US">
+              <a:solidFill>
+                <a:schemeClr val="bg1"/>
+              </a:solidFill>
+            </a:endParaRPr>
+          </a:p>
+        </p:txBody>
+      </p:sp>
+      <p:sp>
+        <p:nvSpPr>
+          <p:cNvPr id="7" name="正方形/長方形 6">
+            <a:extLst>
+              <a:ext uri="{FF2B5EF4-FFF2-40B4-BE49-F238E27FC236}">
+                <a16:creationId xmlns:a16="http://schemas.microsoft.com/office/drawing/2014/main" id="{F901BAC8-C0BD-D413-577E-5CA45E83FA52}"/>
+              </a:ext>
+            </a:extLst>
+          </p:cNvPr>
+          <p:cNvSpPr/>
+          <p:nvPr/>
+        </p:nvSpPr>
+        <p:spPr>
+          <a:xfrm>
+            <a:off x="2965820" y="1456266"/>
+            <a:ext cx="7112000" cy="4041419"/>
+          </a:xfrm>
+          <a:prstGeom prst="rect">
+            <a:avLst/>
+          </a:prstGeom>
+          <a:noFill/>
+          <a:ln w="38100">
+            <a:solidFill>
+              <a:srgbClr val="FF0000"/>
+            </a:solidFill>
+          </a:ln>
+        </p:spPr>
+        <p:style>
+          <a:lnRef idx="2">
+            <a:schemeClr val="accent1">
+              <a:shade val="15000"/>
+            </a:schemeClr>
+          </a:lnRef>
+          <a:fillRef idx="1">
+            <a:schemeClr val="accent1"/>
+          </a:fillRef>
+          <a:effectRef idx="0">
+            <a:schemeClr val="accent1"/>
+          </a:effectRef>
+          <a:fontRef idx="minor">
+            <a:schemeClr val="lt1"/>
+          </a:fontRef>
+        </p:style>
+        <p:txBody>
+          <a:bodyPr rtlCol="0" anchor="t"/>
+          <a:lstStyle/>
+          <a:p>
+            <a:endParaRPr kumimoji="1" lang="ja-JP" altLang="en-US"/>
+          </a:p>
+        </p:txBody>
+      </p:sp>
+      <p:sp>
+        <p:nvSpPr>
+          <p:cNvPr id="8" name="正方形/長方形 7">
+            <a:extLst>
+              <a:ext uri="{FF2B5EF4-FFF2-40B4-BE49-F238E27FC236}">
+                <a16:creationId xmlns:a16="http://schemas.microsoft.com/office/drawing/2014/main" id="{9A5027AF-CF9E-2BD6-0C61-8B379023974E}"/>
+              </a:ext>
+            </a:extLst>
+          </p:cNvPr>
+          <p:cNvSpPr/>
+          <p:nvPr/>
+        </p:nvSpPr>
+        <p:spPr>
+          <a:xfrm>
+            <a:off x="842036" y="5497684"/>
+            <a:ext cx="851119" cy="4041419"/>
+          </a:xfrm>
+          <a:prstGeom prst="rect">
+            <a:avLst/>
+          </a:prstGeom>
+          <a:noFill/>
+          <a:ln w="38100">
+            <a:solidFill>
+              <a:srgbClr val="FF0000"/>
+            </a:solidFill>
+          </a:ln>
+        </p:spPr>
+        <p:style>
+          <a:lnRef idx="2">
+            <a:schemeClr val="accent1">
+              <a:shade val="15000"/>
+            </a:schemeClr>
+          </a:lnRef>
+          <a:fillRef idx="1">
+            <a:schemeClr val="accent1"/>
+          </a:fillRef>
+          <a:effectRef idx="0">
+            <a:schemeClr val="accent1"/>
+          </a:effectRef>
+          <a:fontRef idx="minor">
+            <a:schemeClr val="lt1"/>
+          </a:fontRef>
+        </p:style>
+        <p:txBody>
+          <a:bodyPr rtlCol="0" anchor="t"/>
+          <a:lstStyle/>
+          <a:p>
+            <a:r>
+              <a:rPr kumimoji="1" lang="en-US" altLang="ja-JP"/>
+              <a:t>y_axis</a:t>
+            </a:r>
+            <a:endParaRPr kumimoji="1" lang="ja-JP" altLang="en-US"/>
+          </a:p>
+        </p:txBody>
+      </p:sp>
+      <p:sp>
+        <p:nvSpPr>
+          <p:cNvPr id="10" name="正方形/長方形 9">
+            <a:extLst>
+              <a:ext uri="{FF2B5EF4-FFF2-40B4-BE49-F238E27FC236}">
+                <a16:creationId xmlns:a16="http://schemas.microsoft.com/office/drawing/2014/main" id="{259C28CF-DDBD-AE3A-63E6-EC94BBF1FC08}"/>
+              </a:ext>
+            </a:extLst>
+          </p:cNvPr>
+          <p:cNvSpPr/>
+          <p:nvPr/>
+        </p:nvSpPr>
+        <p:spPr>
+          <a:xfrm>
+            <a:off x="3148338" y="1801253"/>
+            <a:ext cx="6719875" cy="778517"/>
+          </a:xfrm>
+          <a:prstGeom prst="rect">
+            <a:avLst/>
+          </a:prstGeom>
+          <a:noFill/>
+          <a:ln w="38100">
+            <a:solidFill>
+              <a:srgbClr val="FF0000"/>
+            </a:solidFill>
+          </a:ln>
+        </p:spPr>
+        <p:style>
+          <a:lnRef idx="2">
+            <a:schemeClr val="accent1">
+              <a:shade val="15000"/>
+            </a:schemeClr>
+          </a:lnRef>
+          <a:fillRef idx="1">
+            <a:schemeClr val="accent1"/>
+          </a:fillRef>
+          <a:effectRef idx="0">
+            <a:schemeClr val="accent1"/>
+          </a:effectRef>
+          <a:fontRef idx="minor">
+            <a:schemeClr val="lt1"/>
+          </a:fontRef>
+        </p:style>
+        <p:txBody>
+          <a:bodyPr rtlCol="0" anchor="t"/>
+          <a:lstStyle/>
+          <a:p>
+            <a:pPr algn="r"/>
+            <a:r>
+              <a:rPr lang="en-US" altLang="ja-JP"/>
+              <a:t>top_limit</a:t>
+            </a:r>
+            <a:r>
+              <a:rPr kumimoji="1" lang="en-US" altLang="ja-JP"/>
+              <a:t>zone</a:t>
+            </a:r>
+            <a:endParaRPr kumimoji="1" lang="ja-JP" altLang="en-US"/>
+          </a:p>
+        </p:txBody>
+      </p:sp>
+      <p:sp>
+        <p:nvSpPr>
+          <p:cNvPr id="11" name="正方形/長方形 10">
+            <a:extLst>
+              <a:ext uri="{FF2B5EF4-FFF2-40B4-BE49-F238E27FC236}">
+                <a16:creationId xmlns:a16="http://schemas.microsoft.com/office/drawing/2014/main" id="{C4679DF0-32F6-D3E1-B2DB-928E4DA88941}"/>
+              </a:ext>
+            </a:extLst>
+          </p:cNvPr>
+          <p:cNvSpPr/>
+          <p:nvPr/>
+        </p:nvSpPr>
+        <p:spPr>
+          <a:xfrm>
+            <a:off x="3134524" y="2548667"/>
+            <a:ext cx="6719875" cy="2227604"/>
+          </a:xfrm>
+          <a:prstGeom prst="rect">
+            <a:avLst/>
+          </a:prstGeom>
+          <a:noFill/>
+          <a:ln w="38100">
+            <a:solidFill>
+              <a:srgbClr val="FF0000"/>
+            </a:solidFill>
+          </a:ln>
+        </p:spPr>
+        <p:style>
+          <a:lnRef idx="2">
+            <a:schemeClr val="accent1">
+              <a:shade val="15000"/>
+            </a:schemeClr>
+          </a:lnRef>
+          <a:fillRef idx="1">
+            <a:schemeClr val="accent1"/>
+          </a:fillRef>
+          <a:effectRef idx="0">
+            <a:schemeClr val="accent1"/>
+          </a:effectRef>
+          <a:fontRef idx="minor">
+            <a:schemeClr val="lt1"/>
+          </a:fontRef>
+        </p:style>
+        <p:txBody>
+          <a:bodyPr rtlCol="0" anchor="t"/>
+          <a:lstStyle/>
+          <a:p>
+            <a:pPr algn="r"/>
+            <a:r>
+              <a:rPr lang="en-US" altLang="ja-JP"/>
+              <a:t>middle</a:t>
+            </a:r>
+            <a:r>
+              <a:rPr kumimoji="1" lang="en-US" altLang="ja-JP"/>
+              <a:t>zone</a:t>
+            </a:r>
+            <a:endParaRPr kumimoji="1" lang="ja-JP" altLang="en-US"/>
+          </a:p>
+        </p:txBody>
+      </p:sp>
+      <p:sp>
+        <p:nvSpPr>
+          <p:cNvPr id="12" name="正方形/長方形 11">
+            <a:extLst>
+              <a:ext uri="{FF2B5EF4-FFF2-40B4-BE49-F238E27FC236}">
+                <a16:creationId xmlns:a16="http://schemas.microsoft.com/office/drawing/2014/main" id="{7062ECDD-5AB6-309E-56F4-6F1EE9464DBF}"/>
+              </a:ext>
+            </a:extLst>
+          </p:cNvPr>
+          <p:cNvSpPr/>
+          <p:nvPr/>
+        </p:nvSpPr>
+        <p:spPr>
+          <a:xfrm>
+            <a:off x="3127155" y="4776271"/>
+            <a:ext cx="6719875" cy="479509"/>
+          </a:xfrm>
+          <a:prstGeom prst="rect">
+            <a:avLst/>
+          </a:prstGeom>
+          <a:noFill/>
+          <a:ln w="38100">
+            <a:solidFill>
+              <a:srgbClr val="FF0000"/>
+            </a:solidFill>
+          </a:ln>
+        </p:spPr>
+        <p:style>
+          <a:lnRef idx="2">
+            <a:schemeClr val="accent1">
+              <a:shade val="15000"/>
+            </a:schemeClr>
+          </a:lnRef>
+          <a:fillRef idx="1">
+            <a:schemeClr val="accent1"/>
+          </a:fillRef>
+          <a:effectRef idx="0">
+            <a:schemeClr val="accent1"/>
+          </a:effectRef>
+          <a:fontRef idx="minor">
+            <a:schemeClr val="lt1"/>
+          </a:fontRef>
+        </p:style>
+        <p:txBody>
+          <a:bodyPr rtlCol="0" anchor="t"/>
+          <a:lstStyle/>
+          <a:p>
+            <a:pPr algn="r"/>
+            <a:r>
+              <a:rPr lang="en-US" altLang="ja-JP"/>
+              <a:t>b</a:t>
+            </a:r>
+            <a:r>
+              <a:rPr kumimoji="1" lang="en-US" altLang="ja-JP"/>
+              <a:t>ottom_limitzone</a:t>
+            </a:r>
+            <a:endParaRPr kumimoji="1" lang="ja-JP" altLang="en-US"/>
+          </a:p>
+        </p:txBody>
+      </p:sp>
+      <p:sp>
+        <p:nvSpPr>
+          <p:cNvPr id="15" name="正方形/長方形 14">
+            <a:extLst>
+              <a:ext uri="{FF2B5EF4-FFF2-40B4-BE49-F238E27FC236}">
+                <a16:creationId xmlns:a16="http://schemas.microsoft.com/office/drawing/2014/main" id="{9CFC9E27-2D17-B42E-8EE3-B32B53A74658}"/>
+              </a:ext>
+            </a:extLst>
+          </p:cNvPr>
+          <p:cNvSpPr/>
+          <p:nvPr/>
+        </p:nvSpPr>
+        <p:spPr>
+          <a:xfrm>
+            <a:off x="1722579" y="5773262"/>
+            <a:ext cx="1599923" cy="515898"/>
+          </a:xfrm>
+          <a:prstGeom prst="rect">
+            <a:avLst/>
+          </a:prstGeom>
+          <a:noFill/>
+          <a:ln w="38100">
+            <a:solidFill>
+              <a:srgbClr val="FF0000"/>
+            </a:solidFill>
+          </a:ln>
+        </p:spPr>
+        <p:style>
+          <a:lnRef idx="2">
+            <a:schemeClr val="accent1">
+              <a:shade val="15000"/>
+            </a:schemeClr>
+          </a:lnRef>
+          <a:fillRef idx="1">
+            <a:schemeClr val="accent1"/>
+          </a:fillRef>
+          <a:effectRef idx="0">
+            <a:schemeClr val="accent1"/>
+          </a:effectRef>
+          <a:fontRef idx="minor">
+            <a:schemeClr val="lt1"/>
+          </a:fontRef>
+        </p:style>
+        <p:txBody>
+          <a:bodyPr rtlCol="0" anchor="t"/>
+          <a:lstStyle/>
+          <a:p>
+            <a:pPr algn="r"/>
+            <a:r>
+              <a:rPr kumimoji="1" lang="en-US" altLang="ja-JP"/>
+              <a:t>max_label</a:t>
+            </a:r>
+            <a:endParaRPr kumimoji="1" lang="ja-JP" altLang="en-US"/>
+          </a:p>
+        </p:txBody>
+      </p:sp>
+      <p:sp>
+        <p:nvSpPr>
+          <p:cNvPr id="16" name="正方形/長方形 15">
+            <a:extLst>
+              <a:ext uri="{FF2B5EF4-FFF2-40B4-BE49-F238E27FC236}">
+                <a16:creationId xmlns:a16="http://schemas.microsoft.com/office/drawing/2014/main" id="{05154876-FC38-7CF7-3574-5DE222D14A7D}"/>
+              </a:ext>
+            </a:extLst>
+          </p:cNvPr>
+          <p:cNvSpPr/>
+          <p:nvPr/>
+        </p:nvSpPr>
+        <p:spPr>
+          <a:xfrm>
+            <a:off x="1699980" y="8239325"/>
+            <a:ext cx="1599923" cy="515898"/>
+          </a:xfrm>
+          <a:prstGeom prst="rect">
+            <a:avLst/>
+          </a:prstGeom>
+          <a:noFill/>
+          <a:ln w="38100">
+            <a:solidFill>
+              <a:srgbClr val="FF0000"/>
+            </a:solidFill>
+          </a:ln>
+        </p:spPr>
+        <p:style>
+          <a:lnRef idx="2">
+            <a:schemeClr val="accent1">
+              <a:shade val="15000"/>
+            </a:schemeClr>
+          </a:lnRef>
+          <a:fillRef idx="1">
+            <a:schemeClr val="accent1"/>
+          </a:fillRef>
+          <a:effectRef idx="0">
+            <a:schemeClr val="accent1"/>
+          </a:effectRef>
+          <a:fontRef idx="minor">
+            <a:schemeClr val="lt1"/>
+          </a:fontRef>
+        </p:style>
+        <p:txBody>
+          <a:bodyPr rtlCol="0" anchor="t"/>
+          <a:lstStyle/>
+          <a:p>
+            <a:pPr algn="r"/>
+            <a:r>
+              <a:rPr lang="en-US" altLang="ja-JP"/>
+              <a:t>min</a:t>
+            </a:r>
+            <a:r>
+              <a:rPr kumimoji="1" lang="en-US" altLang="ja-JP"/>
+              <a:t>_label</a:t>
+            </a:r>
+            <a:endParaRPr kumimoji="1" lang="ja-JP" altLang="en-US"/>
+          </a:p>
+        </p:txBody>
+      </p:sp>
+      <p:sp>
+        <p:nvSpPr>
+          <p:cNvPr id="17" name="正方形/長方形 16">
+            <a:extLst>
+              <a:ext uri="{FF2B5EF4-FFF2-40B4-BE49-F238E27FC236}">
+                <a16:creationId xmlns:a16="http://schemas.microsoft.com/office/drawing/2014/main" id="{8FAC7699-5C30-CFF6-6002-E5D34AD9890B}"/>
+              </a:ext>
+            </a:extLst>
+          </p:cNvPr>
+          <p:cNvSpPr/>
+          <p:nvPr/>
+        </p:nvSpPr>
+        <p:spPr>
+          <a:xfrm>
+            <a:off x="4707068" y="4319862"/>
+            <a:ext cx="1585583" cy="479509"/>
+          </a:xfrm>
+          <a:prstGeom prst="rect">
+            <a:avLst/>
+          </a:prstGeom>
+          <a:noFill/>
+          <a:ln w="38100">
+            <a:solidFill>
+              <a:srgbClr val="FF0000"/>
+            </a:solidFill>
+          </a:ln>
+        </p:spPr>
+        <p:style>
+          <a:lnRef idx="2">
+            <a:schemeClr val="accent1">
+              <a:shade val="15000"/>
+            </a:schemeClr>
+          </a:lnRef>
+          <a:fillRef idx="1">
+            <a:schemeClr val="accent1"/>
+          </a:fillRef>
+          <a:effectRef idx="0">
+            <a:schemeClr val="accent1"/>
+          </a:effectRef>
+          <a:fontRef idx="minor">
+            <a:schemeClr val="lt1"/>
+          </a:fontRef>
+        </p:style>
+        <p:txBody>
+          <a:bodyPr rtlCol="0" anchor="t"/>
+          <a:lstStyle/>
+          <a:p>
+            <a:pPr algn="r"/>
+            <a:r>
+              <a:rPr lang="en-US" altLang="ja-JP"/>
+              <a:t>bar_label</a:t>
+            </a:r>
+            <a:endParaRPr kumimoji="1" lang="ja-JP" altLang="en-US"/>
+          </a:p>
+        </p:txBody>
+      </p:sp>
+      <p:sp>
+        <p:nvSpPr>
+          <p:cNvPr id="18" name="正方形/長方形 17">
+            <a:extLst>
+              <a:ext uri="{FF2B5EF4-FFF2-40B4-BE49-F238E27FC236}">
+                <a16:creationId xmlns:a16="http://schemas.microsoft.com/office/drawing/2014/main" id="{224F7395-7FB7-2B6F-BABA-A0D88E6D526B}"/>
+              </a:ext>
+            </a:extLst>
+          </p:cNvPr>
+          <p:cNvSpPr/>
+          <p:nvPr/>
+        </p:nvSpPr>
+        <p:spPr>
+          <a:xfrm>
+            <a:off x="6306465" y="1902909"/>
+            <a:ext cx="472644" cy="3498825"/>
+          </a:xfrm>
+          <a:prstGeom prst="rect">
+            <a:avLst/>
+          </a:prstGeom>
+          <a:noFill/>
+          <a:ln w="38100">
+            <a:solidFill>
+              <a:srgbClr val="FF0000"/>
+            </a:solidFill>
+          </a:ln>
+        </p:spPr>
+        <p:style>
+          <a:lnRef idx="2">
+            <a:schemeClr val="accent1">
+              <a:shade val="15000"/>
+            </a:schemeClr>
+          </a:lnRef>
+          <a:fillRef idx="1">
+            <a:schemeClr val="accent1"/>
+          </a:fillRef>
+          <a:effectRef idx="0">
+            <a:schemeClr val="accent1"/>
+          </a:effectRef>
+          <a:fontRef idx="minor">
+            <a:schemeClr val="lt1"/>
+          </a:fontRef>
+        </p:style>
+        <p:txBody>
+          <a:bodyPr rtlCol="0" anchor="t"/>
+          <a:lstStyle/>
+          <a:p>
+            <a:pPr algn="r"/>
+            <a:endParaRPr kumimoji="1" lang="ja-JP" altLang="en-US"/>
+          </a:p>
+        </p:txBody>
+      </p:sp>
+      <p:sp>
+        <p:nvSpPr>
+          <p:cNvPr id="40" name="テキスト ボックス 39">
+            <a:extLst>
+              <a:ext uri="{FF2B5EF4-FFF2-40B4-BE49-F238E27FC236}">
+                <a16:creationId xmlns:a16="http://schemas.microsoft.com/office/drawing/2014/main" id="{9D1D8D86-2D7A-96C6-ED1E-DA3E17DA3416}"/>
+              </a:ext>
+            </a:extLst>
+          </p:cNvPr>
+          <p:cNvSpPr txBox="1"/>
+          <p:nvPr/>
+        </p:nvSpPr>
+        <p:spPr>
+          <a:xfrm>
+            <a:off x="6088196" y="592124"/>
+            <a:ext cx="1976560" cy="369332"/>
+          </a:xfrm>
+          <a:prstGeom prst="rect">
+            <a:avLst/>
+          </a:prstGeom>
+          <a:noFill/>
+        </p:spPr>
+        <p:txBody>
+          <a:bodyPr wrap="square">
+            <a:spAutoFit/>
+          </a:bodyPr>
+          <a:lstStyle/>
+          <a:p>
+            <a:pPr algn="r"/>
+            <a:r>
+              <a:rPr lang="en-US" altLang="ja-JP">
+                <a:solidFill>
+                  <a:schemeClr val="bg1"/>
+                </a:solidFill>
+              </a:rPr>
+              <a:t>b</a:t>
+            </a:r>
+            <a:r>
+              <a:rPr kumimoji="1" lang="en-US" altLang="ja-JP">
+                <a:solidFill>
+                  <a:schemeClr val="bg1"/>
+                </a:solidFill>
+              </a:rPr>
+              <a:t>ar_separator</a:t>
+            </a:r>
+            <a:endParaRPr kumimoji="1" lang="ja-JP" altLang="en-US">
+              <a:solidFill>
+                <a:schemeClr val="bg1"/>
+              </a:solidFill>
+            </a:endParaRPr>
+          </a:p>
+        </p:txBody>
+      </p:sp>
+      <p:cxnSp>
+        <p:nvCxnSpPr>
+          <p:cNvPr id="45" name="直線矢印コネクタ 44">
+            <a:extLst>
+              <a:ext uri="{FF2B5EF4-FFF2-40B4-BE49-F238E27FC236}">
+                <a16:creationId xmlns:a16="http://schemas.microsoft.com/office/drawing/2014/main" id="{F2041BB7-CBE5-D91A-5F60-CD673982842D}"/>
+              </a:ext>
+            </a:extLst>
+          </p:cNvPr>
+          <p:cNvCxnSpPr>
+            <a:cxnSpLocks/>
+            <a:stCxn id="40" idx="2"/>
+            <a:endCxn id="18" idx="0"/>
+          </p:cNvCxnSpPr>
+          <p:nvPr/>
+        </p:nvCxnSpPr>
+        <p:spPr>
+          <a:xfrm flipH="1">
+            <a:off x="6542787" y="961456"/>
+            <a:ext cx="533689" cy="941453"/>
+          </a:xfrm>
+          <a:prstGeom prst="straightConnector1">
+            <a:avLst/>
+          </a:prstGeom>
+          <a:ln>
+            <a:solidFill>
+              <a:srgbClr val="FF0000"/>
+            </a:solidFill>
+            <a:tailEnd type="triangle"/>
+          </a:ln>
+        </p:spPr>
+        <p:style>
+          <a:lnRef idx="2">
+            <a:schemeClr val="accent1"/>
+          </a:lnRef>
+          <a:fillRef idx="0">
+            <a:schemeClr val="accent1"/>
+          </a:fillRef>
+          <a:effectRef idx="1">
+            <a:schemeClr val="accent1"/>
+          </a:effectRef>
+          <a:fontRef idx="minor">
+            <a:schemeClr val="tx1"/>
+          </a:fontRef>
+        </p:style>
+      </p:cxnSp>
+      <p:sp>
+        <p:nvSpPr>
+          <p:cNvPr id="49" name="正方形/長方形 48">
+            <a:extLst>
+              <a:ext uri="{FF2B5EF4-FFF2-40B4-BE49-F238E27FC236}">
+                <a16:creationId xmlns:a16="http://schemas.microsoft.com/office/drawing/2014/main" id="{A6F3D850-3052-4E12-3EF7-B4849D5502DB}"/>
+              </a:ext>
+            </a:extLst>
+          </p:cNvPr>
+          <p:cNvSpPr/>
+          <p:nvPr/>
+        </p:nvSpPr>
+        <p:spPr>
+          <a:xfrm>
+            <a:off x="2099493" y="11081334"/>
+            <a:ext cx="400448" cy="515899"/>
+          </a:xfrm>
+          <a:prstGeom prst="rect">
+            <a:avLst/>
+          </a:prstGeom>
+          <a:noFill/>
+          <a:ln w="38100">
+            <a:solidFill>
+              <a:srgbClr val="FF0000"/>
+            </a:solidFill>
+          </a:ln>
+        </p:spPr>
+        <p:style>
+          <a:lnRef idx="2">
+            <a:schemeClr val="accent1">
+              <a:shade val="15000"/>
+            </a:schemeClr>
+          </a:lnRef>
+          <a:fillRef idx="1">
+            <a:schemeClr val="accent1"/>
+          </a:fillRef>
+          <a:effectRef idx="0">
+            <a:schemeClr val="accent1"/>
+          </a:effectRef>
+          <a:fontRef idx="minor">
+            <a:schemeClr val="lt1"/>
+          </a:fontRef>
+        </p:style>
+        <p:txBody>
+          <a:bodyPr rtlCol="0" anchor="t"/>
+          <a:lstStyle/>
+          <a:p>
+            <a:endParaRPr kumimoji="1" lang="ja-JP" altLang="en-US"/>
+          </a:p>
+        </p:txBody>
+      </p:sp>
+      <p:sp>
+        <p:nvSpPr>
+          <p:cNvPr id="50" name="テキスト ボックス 49">
+            <a:extLst>
+              <a:ext uri="{FF2B5EF4-FFF2-40B4-BE49-F238E27FC236}">
+                <a16:creationId xmlns:a16="http://schemas.microsoft.com/office/drawing/2014/main" id="{B502C019-F95B-5F77-33FE-401EAECB2589}"/>
+              </a:ext>
+            </a:extLst>
+          </p:cNvPr>
+          <p:cNvSpPr txBox="1"/>
+          <p:nvPr/>
+        </p:nvSpPr>
+        <p:spPr>
+          <a:xfrm>
+            <a:off x="1323343" y="10610257"/>
+            <a:ext cx="1976560" cy="369332"/>
+          </a:xfrm>
+          <a:prstGeom prst="rect">
+            <a:avLst/>
+          </a:prstGeom>
+          <a:noFill/>
+        </p:spPr>
+        <p:txBody>
+          <a:bodyPr wrap="square">
+            <a:spAutoFit/>
+          </a:bodyPr>
+          <a:lstStyle/>
+          <a:p>
+            <a:pPr algn="ctr"/>
+            <a:r>
+              <a:rPr lang="en-US" altLang="ja-JP">
+                <a:solidFill>
+                  <a:schemeClr val="bg1"/>
+                </a:solidFill>
+              </a:rPr>
+              <a:t>c</a:t>
+            </a:r>
+            <a:r>
+              <a:rPr kumimoji="1" lang="en-US" altLang="ja-JP">
+                <a:solidFill>
+                  <a:schemeClr val="bg1"/>
+                </a:solidFill>
+              </a:rPr>
+              <a:t>ontrol_point</a:t>
+            </a:r>
+            <a:endParaRPr kumimoji="1" lang="ja-JP" altLang="en-US">
+              <a:solidFill>
+                <a:schemeClr val="bg1"/>
+              </a:solidFill>
+            </a:endParaRPr>
+          </a:p>
+        </p:txBody>
+      </p:sp>
+      <p:sp>
+        <p:nvSpPr>
+          <p:cNvPr id="51" name="テキスト ボックス 50">
+            <a:extLst>
+              <a:ext uri="{FF2B5EF4-FFF2-40B4-BE49-F238E27FC236}">
+                <a16:creationId xmlns:a16="http://schemas.microsoft.com/office/drawing/2014/main" id="{63CBE1C5-18F7-11BC-DDA0-DED2FDE621F5}"/>
+              </a:ext>
+            </a:extLst>
+          </p:cNvPr>
+          <p:cNvSpPr txBox="1"/>
+          <p:nvPr/>
+        </p:nvSpPr>
+        <p:spPr>
+          <a:xfrm>
+            <a:off x="3491655" y="808415"/>
+            <a:ext cx="1976560" cy="369332"/>
+          </a:xfrm>
+          <a:prstGeom prst="rect">
+            <a:avLst/>
+          </a:prstGeom>
+          <a:noFill/>
+        </p:spPr>
+        <p:txBody>
+          <a:bodyPr wrap="square">
+            <a:spAutoFit/>
+          </a:bodyPr>
+          <a:lstStyle/>
+          <a:p>
+            <a:pPr algn="r"/>
+            <a:r>
+              <a:rPr lang="en-US" altLang="ja-JP">
+                <a:solidFill>
+                  <a:schemeClr val="bg1"/>
+                </a:solidFill>
+              </a:rPr>
+              <a:t>y</a:t>
+            </a:r>
+            <a:r>
+              <a:rPr kumimoji="1" lang="en-US" altLang="ja-JP">
+                <a:solidFill>
+                  <a:schemeClr val="bg1"/>
+                </a:solidFill>
+              </a:rPr>
+              <a:t>_axis_label</a:t>
+            </a:r>
+            <a:endParaRPr kumimoji="1" lang="ja-JP" altLang="en-US">
+              <a:solidFill>
+                <a:schemeClr val="bg1"/>
+              </a:solidFill>
+            </a:endParaRPr>
+          </a:p>
+        </p:txBody>
+      </p:sp>
+      <p:cxnSp>
+        <p:nvCxnSpPr>
+          <p:cNvPr id="52" name="直線矢印コネクタ 51">
+            <a:extLst>
+              <a:ext uri="{FF2B5EF4-FFF2-40B4-BE49-F238E27FC236}">
+                <a16:creationId xmlns:a16="http://schemas.microsoft.com/office/drawing/2014/main" id="{35DC5356-D961-C32B-203E-A7B222F9A54B}"/>
+              </a:ext>
+            </a:extLst>
+          </p:cNvPr>
+          <p:cNvCxnSpPr>
+            <a:cxnSpLocks/>
+            <a:stCxn id="51" idx="2"/>
+          </p:cNvCxnSpPr>
+          <p:nvPr/>
+        </p:nvCxnSpPr>
+        <p:spPr>
+          <a:xfrm flipH="1">
+            <a:off x="3946246" y="1177747"/>
+            <a:ext cx="533689" cy="941453"/>
+          </a:xfrm>
+          <a:prstGeom prst="straightConnector1">
+            <a:avLst/>
+          </a:prstGeom>
+          <a:ln>
+            <a:solidFill>
+              <a:srgbClr val="FF0000"/>
+            </a:solidFill>
+            <a:tailEnd type="triangle"/>
+          </a:ln>
+        </p:spPr>
+        <p:style>
+          <a:lnRef idx="2">
+            <a:schemeClr val="accent1"/>
+          </a:lnRef>
+          <a:fillRef idx="0">
+            <a:schemeClr val="accent1"/>
+          </a:fillRef>
+          <a:effectRef idx="1">
+            <a:schemeClr val="accent1"/>
+          </a:effectRef>
+          <a:fontRef idx="minor">
+            <a:schemeClr val="tx1"/>
+          </a:fontRef>
+        </p:style>
+      </p:cxnSp>
+      <p:sp>
+        <p:nvSpPr>
+          <p:cNvPr id="57" name="正方形/長方形 56">
+            <a:extLst>
+              <a:ext uri="{FF2B5EF4-FFF2-40B4-BE49-F238E27FC236}">
+                <a16:creationId xmlns:a16="http://schemas.microsoft.com/office/drawing/2014/main" id="{8679BE90-4896-BF29-994A-34746E251455}"/>
+              </a:ext>
+            </a:extLst>
+          </p:cNvPr>
+          <p:cNvSpPr/>
+          <p:nvPr/>
+        </p:nvSpPr>
+        <p:spPr>
+          <a:xfrm>
+            <a:off x="4580274" y="9462244"/>
+            <a:ext cx="400448" cy="515899"/>
+          </a:xfrm>
+          <a:prstGeom prst="rect">
+            <a:avLst/>
+          </a:prstGeom>
+          <a:noFill/>
+          <a:ln w="38100">
+            <a:solidFill>
+              <a:srgbClr val="FF0000"/>
+            </a:solidFill>
+          </a:ln>
+        </p:spPr>
+        <p:style>
+          <a:lnRef idx="2">
+            <a:schemeClr val="accent1">
+              <a:shade val="15000"/>
+            </a:schemeClr>
+          </a:lnRef>
+          <a:fillRef idx="1">
+            <a:schemeClr val="accent1"/>
+          </a:fillRef>
+          <a:effectRef idx="0">
+            <a:schemeClr val="accent1"/>
+          </a:effectRef>
+          <a:fontRef idx="minor">
+            <a:schemeClr val="lt1"/>
+          </a:fontRef>
+        </p:style>
+        <p:txBody>
+          <a:bodyPr rtlCol="0" anchor="t"/>
+          <a:lstStyle/>
+          <a:p>
+            <a:endParaRPr kumimoji="1" lang="ja-JP" altLang="en-US"/>
+          </a:p>
+        </p:txBody>
+      </p:sp>
+      <p:sp>
+        <p:nvSpPr>
+          <p:cNvPr id="58" name="テキスト ボックス 57">
+            <a:extLst>
+              <a:ext uri="{FF2B5EF4-FFF2-40B4-BE49-F238E27FC236}">
+                <a16:creationId xmlns:a16="http://schemas.microsoft.com/office/drawing/2014/main" id="{C7138BD0-99FA-D218-8842-0C2FCEF5DCD1}"/>
+              </a:ext>
+            </a:extLst>
+          </p:cNvPr>
+          <p:cNvSpPr txBox="1"/>
+          <p:nvPr/>
+        </p:nvSpPr>
+        <p:spPr>
+          <a:xfrm>
+            <a:off x="3804124" y="8991167"/>
+            <a:ext cx="1976560" cy="369332"/>
+          </a:xfrm>
+          <a:prstGeom prst="rect">
+            <a:avLst/>
+          </a:prstGeom>
+          <a:noFill/>
+        </p:spPr>
+        <p:txBody>
+          <a:bodyPr wrap="square">
+            <a:spAutoFit/>
+          </a:bodyPr>
+          <a:lstStyle/>
+          <a:p>
+            <a:pPr algn="ctr"/>
+            <a:r>
+              <a:rPr lang="en-US" altLang="ja-JP">
+                <a:solidFill>
+                  <a:schemeClr val="bg1"/>
+                </a:solidFill>
+              </a:rPr>
+              <a:t>control_lerp</a:t>
+            </a:r>
+            <a:r>
+              <a:rPr kumimoji="1" lang="en-US" altLang="ja-JP">
+                <a:solidFill>
+                  <a:schemeClr val="bg1"/>
+                </a:solidFill>
+              </a:rPr>
+              <a:t>_line</a:t>
+            </a:r>
+            <a:endParaRPr kumimoji="1" lang="ja-JP" altLang="en-US">
+              <a:solidFill>
+                <a:schemeClr val="bg1"/>
+              </a:solidFill>
+            </a:endParaRPr>
+          </a:p>
+        </p:txBody>
+      </p:sp>
+      <p:sp>
+        <p:nvSpPr>
+          <p:cNvPr id="62" name="正方形/長方形 61">
+            <a:extLst>
+              <a:ext uri="{FF2B5EF4-FFF2-40B4-BE49-F238E27FC236}">
+                <a16:creationId xmlns:a16="http://schemas.microsoft.com/office/drawing/2014/main" id="{2B6BA61B-51D0-0B8F-0127-8A8135B24247}"/>
+              </a:ext>
+            </a:extLst>
+          </p:cNvPr>
+          <p:cNvSpPr/>
+          <p:nvPr/>
+        </p:nvSpPr>
+        <p:spPr>
+          <a:xfrm>
+            <a:off x="5494067" y="8408282"/>
+            <a:ext cx="400448" cy="515899"/>
+          </a:xfrm>
+          <a:prstGeom prst="rect">
+            <a:avLst/>
+          </a:prstGeom>
+          <a:noFill/>
+          <a:ln w="38100">
+            <a:solidFill>
+              <a:srgbClr val="FF0000"/>
+            </a:solidFill>
+          </a:ln>
+        </p:spPr>
+        <p:style>
+          <a:lnRef idx="2">
+            <a:schemeClr val="accent1">
+              <a:shade val="15000"/>
+            </a:schemeClr>
+          </a:lnRef>
+          <a:fillRef idx="1">
+            <a:schemeClr val="accent1"/>
+          </a:fillRef>
+          <a:effectRef idx="0">
+            <a:schemeClr val="accent1"/>
+          </a:effectRef>
+          <a:fontRef idx="minor">
+            <a:schemeClr val="lt1"/>
+          </a:fontRef>
+        </p:style>
+        <p:txBody>
+          <a:bodyPr rtlCol="0" anchor="t"/>
+          <a:lstStyle/>
+          <a:p>
+            <a:endParaRPr kumimoji="1" lang="ja-JP" altLang="en-US"/>
+          </a:p>
+        </p:txBody>
+      </p:sp>
+      <p:sp>
+        <p:nvSpPr>
+          <p:cNvPr id="63" name="テキスト ボックス 62">
+            <a:extLst>
+              <a:ext uri="{FF2B5EF4-FFF2-40B4-BE49-F238E27FC236}">
+                <a16:creationId xmlns:a16="http://schemas.microsoft.com/office/drawing/2014/main" id="{5CBEFF56-5A8A-2584-08DF-331E0092847C}"/>
+              </a:ext>
+            </a:extLst>
+          </p:cNvPr>
+          <p:cNvSpPr txBox="1"/>
+          <p:nvPr/>
+        </p:nvSpPr>
+        <p:spPr>
+          <a:xfrm>
+            <a:off x="4162612" y="7968929"/>
+            <a:ext cx="2759843" cy="369332"/>
+          </a:xfrm>
+          <a:prstGeom prst="rect">
+            <a:avLst/>
+          </a:prstGeom>
+          <a:noFill/>
+        </p:spPr>
+        <p:txBody>
+          <a:bodyPr wrap="square">
+            <a:spAutoFit/>
+          </a:bodyPr>
+          <a:lstStyle/>
+          <a:p>
+            <a:pPr algn="ctr"/>
+            <a:r>
+              <a:rPr lang="en-US" altLang="ja-JP">
+                <a:solidFill>
+                  <a:schemeClr val="bg1"/>
+                </a:solidFill>
+              </a:rPr>
+              <a:t>overlimit_control_point</a:t>
+            </a:r>
+            <a:endParaRPr kumimoji="1" lang="ja-JP" altLang="en-US">
+              <a:solidFill>
+                <a:schemeClr val="bg1"/>
+              </a:solidFill>
+            </a:endParaRPr>
+          </a:p>
+        </p:txBody>
+      </p:sp>
+      <p:sp>
+        <p:nvSpPr>
+          <p:cNvPr id="64" name="正方形/長方形 63">
+            <a:extLst>
+              <a:ext uri="{FF2B5EF4-FFF2-40B4-BE49-F238E27FC236}">
+                <a16:creationId xmlns:a16="http://schemas.microsoft.com/office/drawing/2014/main" id="{C782F1C3-73E5-82B8-F2CD-B36178FAA579}"/>
+              </a:ext>
+            </a:extLst>
+          </p:cNvPr>
+          <p:cNvSpPr/>
+          <p:nvPr/>
+        </p:nvSpPr>
+        <p:spPr>
+          <a:xfrm>
+            <a:off x="9773801" y="6805211"/>
+            <a:ext cx="3253941" cy="3251616"/>
+          </a:xfrm>
+          <a:prstGeom prst="rect">
+            <a:avLst/>
+          </a:prstGeom>
+          <a:noFill/>
+          <a:ln w="38100">
+            <a:solidFill>
+              <a:srgbClr val="FF0000"/>
+            </a:solidFill>
+          </a:ln>
+        </p:spPr>
+        <p:style>
+          <a:lnRef idx="2">
+            <a:schemeClr val="accent1">
+              <a:shade val="15000"/>
+            </a:schemeClr>
+          </a:lnRef>
+          <a:fillRef idx="1">
+            <a:schemeClr val="accent1"/>
+          </a:fillRef>
+          <a:effectRef idx="0">
+            <a:schemeClr val="accent1"/>
+          </a:effectRef>
+          <a:fontRef idx="minor">
+            <a:schemeClr val="lt1"/>
+          </a:fontRef>
+        </p:style>
+        <p:txBody>
+          <a:bodyPr rtlCol="0" anchor="t"/>
+          <a:lstStyle/>
+          <a:p>
+            <a:endParaRPr kumimoji="1" lang="ja-JP" altLang="en-US"/>
+          </a:p>
+        </p:txBody>
+      </p:sp>
+      <p:sp>
+        <p:nvSpPr>
+          <p:cNvPr id="65" name="テキスト ボックス 64">
+            <a:extLst>
+              <a:ext uri="{FF2B5EF4-FFF2-40B4-BE49-F238E27FC236}">
+                <a16:creationId xmlns:a16="http://schemas.microsoft.com/office/drawing/2014/main" id="{A763ECA8-8D8E-1B63-E2ED-6E792E07B3E4}"/>
+              </a:ext>
+            </a:extLst>
+          </p:cNvPr>
+          <p:cNvSpPr txBox="1"/>
+          <p:nvPr/>
+        </p:nvSpPr>
+        <p:spPr>
+          <a:xfrm>
+            <a:off x="11051182" y="6345454"/>
+            <a:ext cx="1976560" cy="369332"/>
+          </a:xfrm>
+          <a:prstGeom prst="rect">
+            <a:avLst/>
+          </a:prstGeom>
+          <a:noFill/>
+        </p:spPr>
+        <p:txBody>
+          <a:bodyPr wrap="square">
+            <a:spAutoFit/>
+          </a:bodyPr>
+          <a:lstStyle/>
+          <a:p>
+            <a:pPr algn="r"/>
+            <a:r>
+              <a:rPr kumimoji="1" lang="en-US" altLang="ja-JP">
+                <a:solidFill>
+                  <a:schemeClr val="bg1"/>
+                </a:solidFill>
+              </a:rPr>
+              <a:t>Semantic Panel</a:t>
+            </a:r>
+            <a:endParaRPr kumimoji="1" lang="ja-JP" altLang="en-US">
+              <a:solidFill>
+                <a:schemeClr val="bg1"/>
+              </a:solidFill>
+            </a:endParaRPr>
+          </a:p>
+        </p:txBody>
+      </p:sp>
+      <p:sp>
+        <p:nvSpPr>
+          <p:cNvPr id="66" name="テキスト ボックス 65">
+            <a:extLst>
+              <a:ext uri="{FF2B5EF4-FFF2-40B4-BE49-F238E27FC236}">
+                <a16:creationId xmlns:a16="http://schemas.microsoft.com/office/drawing/2014/main" id="{55991F8B-28A0-7321-50AF-A847D1A86A2D}"/>
+              </a:ext>
+            </a:extLst>
+          </p:cNvPr>
+          <p:cNvSpPr txBox="1"/>
+          <p:nvPr/>
+        </p:nvSpPr>
+        <p:spPr>
+          <a:xfrm>
+            <a:off x="11658281" y="6853413"/>
+            <a:ext cx="2766757" cy="369332"/>
+          </a:xfrm>
+          <a:prstGeom prst="rect">
+            <a:avLst/>
+          </a:prstGeom>
+          <a:noFill/>
+        </p:spPr>
+        <p:txBody>
+          <a:bodyPr wrap="square">
+            <a:spAutoFit/>
+          </a:bodyPr>
+          <a:lstStyle/>
+          <a:p>
+            <a:pPr algn="r"/>
+            <a:r>
+              <a:rPr lang="en-US" altLang="ja-JP">
+                <a:solidFill>
+                  <a:schemeClr val="bg1"/>
+                </a:solidFill>
+              </a:rPr>
+              <a:t>SemanticYaxisTextbox</a:t>
+            </a:r>
+            <a:endParaRPr kumimoji="1" lang="ja-JP" altLang="en-US">
+              <a:solidFill>
+                <a:schemeClr val="bg1"/>
+              </a:solidFill>
+            </a:endParaRPr>
+          </a:p>
+        </p:txBody>
+      </p:sp>
+      <p:cxnSp>
+        <p:nvCxnSpPr>
+          <p:cNvPr id="67" name="直線矢印コネクタ 66">
+            <a:extLst>
+              <a:ext uri="{FF2B5EF4-FFF2-40B4-BE49-F238E27FC236}">
+                <a16:creationId xmlns:a16="http://schemas.microsoft.com/office/drawing/2014/main" id="{8B803661-F7F3-C5FF-1CCF-4E43AD2CD071}"/>
+              </a:ext>
+            </a:extLst>
+          </p:cNvPr>
+          <p:cNvCxnSpPr>
+            <a:cxnSpLocks/>
+          </p:cNvCxnSpPr>
+          <p:nvPr/>
+        </p:nvCxnSpPr>
+        <p:spPr>
+          <a:xfrm flipH="1">
+            <a:off x="12514124" y="7149191"/>
+            <a:ext cx="1131024" cy="494313"/>
+          </a:xfrm>
+          <a:prstGeom prst="straightConnector1">
+            <a:avLst/>
+          </a:prstGeom>
+          <a:ln>
+            <a:solidFill>
+              <a:srgbClr val="FF0000"/>
+            </a:solidFill>
+            <a:tailEnd type="triangle"/>
+          </a:ln>
+        </p:spPr>
+        <p:style>
+          <a:lnRef idx="2">
+            <a:schemeClr val="accent1"/>
+          </a:lnRef>
+          <a:fillRef idx="0">
+            <a:schemeClr val="accent1"/>
+          </a:fillRef>
+          <a:effectRef idx="1">
+            <a:schemeClr val="accent1"/>
+          </a:effectRef>
+          <a:fontRef idx="minor">
+            <a:schemeClr val="tx1"/>
+          </a:fontRef>
+        </p:style>
+      </p:cxnSp>
+      <p:sp>
+        <p:nvSpPr>
+          <p:cNvPr id="75" name="テキスト ボックス 74">
+            <a:extLst>
+              <a:ext uri="{FF2B5EF4-FFF2-40B4-BE49-F238E27FC236}">
+                <a16:creationId xmlns:a16="http://schemas.microsoft.com/office/drawing/2014/main" id="{C0634CBE-1ABA-C3BF-D7EF-EDEE3CF3C572}"/>
+              </a:ext>
+            </a:extLst>
+          </p:cNvPr>
+          <p:cNvSpPr txBox="1"/>
+          <p:nvPr/>
+        </p:nvSpPr>
+        <p:spPr>
+          <a:xfrm>
+            <a:off x="6936019" y="6309819"/>
+            <a:ext cx="2766757" cy="369332"/>
+          </a:xfrm>
+          <a:prstGeom prst="rect">
+            <a:avLst/>
+          </a:prstGeom>
+          <a:noFill/>
+        </p:spPr>
+        <p:txBody>
+          <a:bodyPr wrap="square">
+            <a:spAutoFit/>
+          </a:bodyPr>
+          <a:lstStyle/>
+          <a:p>
+            <a:pPr algn="r"/>
+            <a:r>
+              <a:rPr lang="en-US" altLang="ja-JP">
+                <a:solidFill>
+                  <a:schemeClr val="bg1"/>
+                </a:solidFill>
+              </a:rPr>
+              <a:t>SemanticYaxisLabel</a:t>
+            </a:r>
+            <a:endParaRPr kumimoji="1" lang="ja-JP" altLang="en-US">
+              <a:solidFill>
+                <a:schemeClr val="bg1"/>
+              </a:solidFill>
+            </a:endParaRPr>
+          </a:p>
+        </p:txBody>
+      </p:sp>
+      <p:sp>
+        <p:nvSpPr>
+          <p:cNvPr id="86" name="テキスト ボックス 85">
+            <a:extLst>
+              <a:ext uri="{FF2B5EF4-FFF2-40B4-BE49-F238E27FC236}">
+                <a16:creationId xmlns:a16="http://schemas.microsoft.com/office/drawing/2014/main" id="{77A272FC-4FFA-F64E-3327-1510324C6842}"/>
+              </a:ext>
+            </a:extLst>
+          </p:cNvPr>
+          <p:cNvSpPr txBox="1"/>
+          <p:nvPr/>
+        </p:nvSpPr>
+        <p:spPr>
+          <a:xfrm>
+            <a:off x="6890847" y="7954991"/>
+            <a:ext cx="2766757" cy="369332"/>
+          </a:xfrm>
+          <a:prstGeom prst="rect">
+            <a:avLst/>
+          </a:prstGeom>
+          <a:noFill/>
+        </p:spPr>
+        <p:txBody>
+          <a:bodyPr wrap="square">
+            <a:spAutoFit/>
+          </a:bodyPr>
+          <a:lstStyle/>
+          <a:p>
+            <a:pPr algn="r"/>
+            <a:r>
+              <a:rPr kumimoji="1" lang="en-US" altLang="ja-JP">
+                <a:solidFill>
+                  <a:schemeClr val="bg1"/>
+                </a:solidFill>
+              </a:rPr>
+              <a:t>SemanticTargetLabel</a:t>
+            </a:r>
+            <a:endParaRPr kumimoji="1" lang="ja-JP" altLang="en-US">
+              <a:solidFill>
+                <a:schemeClr val="bg1"/>
+              </a:solidFill>
+            </a:endParaRPr>
+          </a:p>
+        </p:txBody>
+      </p:sp>
+      <p:sp>
+        <p:nvSpPr>
+          <p:cNvPr id="87" name="テキスト ボックス 86">
+            <a:extLst>
+              <a:ext uri="{FF2B5EF4-FFF2-40B4-BE49-F238E27FC236}">
+                <a16:creationId xmlns:a16="http://schemas.microsoft.com/office/drawing/2014/main" id="{2DF195A0-E0AD-F482-4C35-88E35EC32DC1}"/>
+              </a:ext>
+            </a:extLst>
+          </p:cNvPr>
+          <p:cNvSpPr txBox="1"/>
+          <p:nvPr/>
+        </p:nvSpPr>
+        <p:spPr>
+          <a:xfrm>
+            <a:off x="11928481" y="7841696"/>
+            <a:ext cx="2766757" cy="369332"/>
+          </a:xfrm>
+          <a:prstGeom prst="rect">
+            <a:avLst/>
+          </a:prstGeom>
+          <a:noFill/>
+        </p:spPr>
+        <p:txBody>
+          <a:bodyPr wrap="square">
+            <a:spAutoFit/>
+          </a:bodyPr>
+          <a:lstStyle/>
+          <a:p>
+            <a:pPr algn="r"/>
+            <a:r>
+              <a:rPr kumimoji="1" lang="en-US" altLang="ja-JP">
+                <a:solidFill>
+                  <a:schemeClr val="bg1"/>
+                </a:solidFill>
+              </a:rPr>
+              <a:t>SemanticTargetButton</a:t>
+            </a:r>
+            <a:endParaRPr kumimoji="1" lang="ja-JP" altLang="en-US">
+              <a:solidFill>
+                <a:schemeClr val="bg1"/>
+              </a:solidFill>
+            </a:endParaRPr>
+          </a:p>
+        </p:txBody>
+      </p:sp>
+      <p:cxnSp>
+        <p:nvCxnSpPr>
+          <p:cNvPr id="88" name="直線矢印コネクタ 87">
+            <a:extLst>
+              <a:ext uri="{FF2B5EF4-FFF2-40B4-BE49-F238E27FC236}">
+                <a16:creationId xmlns:a16="http://schemas.microsoft.com/office/drawing/2014/main" id="{3D138374-683F-9E33-E9FC-CFCC20A8C991}"/>
+              </a:ext>
+            </a:extLst>
+          </p:cNvPr>
+          <p:cNvCxnSpPr>
+            <a:cxnSpLocks/>
+          </p:cNvCxnSpPr>
+          <p:nvPr/>
+        </p:nvCxnSpPr>
+        <p:spPr>
+          <a:xfrm flipH="1">
+            <a:off x="12636901" y="8211028"/>
+            <a:ext cx="674958" cy="269943"/>
+          </a:xfrm>
+          <a:prstGeom prst="straightConnector1">
+            <a:avLst/>
+          </a:prstGeom>
+          <a:ln>
+            <a:solidFill>
+              <a:srgbClr val="FF0000"/>
+            </a:solidFill>
+            <a:tailEnd type="triangle"/>
+          </a:ln>
+        </p:spPr>
+        <p:style>
+          <a:lnRef idx="2">
+            <a:schemeClr val="accent1"/>
+          </a:lnRef>
+          <a:fillRef idx="0">
+            <a:schemeClr val="accent1"/>
+          </a:fillRef>
+          <a:effectRef idx="1">
+            <a:schemeClr val="accent1"/>
+          </a:effectRef>
+          <a:fontRef idx="minor">
+            <a:schemeClr val="tx1"/>
+          </a:fontRef>
+        </p:style>
+      </p:cxnSp>
+      <p:cxnSp>
+        <p:nvCxnSpPr>
+          <p:cNvPr id="90" name="直線矢印コネクタ 89">
+            <a:extLst>
+              <a:ext uri="{FF2B5EF4-FFF2-40B4-BE49-F238E27FC236}">
+                <a16:creationId xmlns:a16="http://schemas.microsoft.com/office/drawing/2014/main" id="{D9B0B1D3-4C43-6C14-60FD-311CEDED3AB4}"/>
+              </a:ext>
+            </a:extLst>
+          </p:cNvPr>
+          <p:cNvCxnSpPr>
+            <a:cxnSpLocks/>
+            <a:endCxn id="76" idx="1"/>
+          </p:cNvCxnSpPr>
+          <p:nvPr/>
+        </p:nvCxnSpPr>
+        <p:spPr>
+          <a:xfrm>
+            <a:off x="8465184" y="8324323"/>
+            <a:ext cx="1481758" cy="160461"/>
+          </a:xfrm>
+          <a:prstGeom prst="straightConnector1">
+            <a:avLst/>
+          </a:prstGeom>
+          <a:ln>
+            <a:solidFill>
+              <a:srgbClr val="FF0000"/>
+            </a:solidFill>
+            <a:tailEnd type="triangle"/>
+          </a:ln>
+        </p:spPr>
+        <p:style>
+          <a:lnRef idx="2">
+            <a:schemeClr val="accent1"/>
+          </a:lnRef>
+          <a:fillRef idx="0">
+            <a:schemeClr val="accent1"/>
+          </a:fillRef>
+          <a:effectRef idx="1">
+            <a:schemeClr val="accent1"/>
+          </a:effectRef>
+          <a:fontRef idx="minor">
+            <a:schemeClr val="tx1"/>
+          </a:fontRef>
+        </p:style>
+      </p:cxnSp>
+      <p:cxnSp>
+        <p:nvCxnSpPr>
+          <p:cNvPr id="94" name="直線矢印コネクタ 93">
+            <a:extLst>
+              <a:ext uri="{FF2B5EF4-FFF2-40B4-BE49-F238E27FC236}">
+                <a16:creationId xmlns:a16="http://schemas.microsoft.com/office/drawing/2014/main" id="{A4B6281A-2F59-A442-5396-23AB087BBAFC}"/>
+              </a:ext>
+            </a:extLst>
+          </p:cNvPr>
+          <p:cNvCxnSpPr>
+            <a:cxnSpLocks/>
+          </p:cNvCxnSpPr>
+          <p:nvPr/>
+        </p:nvCxnSpPr>
+        <p:spPr>
+          <a:xfrm>
+            <a:off x="9199804" y="6754943"/>
+            <a:ext cx="978110" cy="592392"/>
+          </a:xfrm>
+          <a:prstGeom prst="straightConnector1">
+            <a:avLst/>
+          </a:prstGeom>
+          <a:ln>
+            <a:solidFill>
+              <a:srgbClr val="FF0000"/>
+            </a:solidFill>
+            <a:tailEnd type="triangle"/>
+          </a:ln>
+        </p:spPr>
+        <p:style>
+          <a:lnRef idx="2">
+            <a:schemeClr val="accent1"/>
+          </a:lnRef>
+          <a:fillRef idx="0">
+            <a:schemeClr val="accent1"/>
+          </a:fillRef>
+          <a:effectRef idx="1">
+            <a:schemeClr val="accent1"/>
+          </a:effectRef>
+          <a:fontRef idx="minor">
+            <a:schemeClr val="tx1"/>
+          </a:fontRef>
+        </p:style>
+      </p:cxnSp>
+      <p:sp>
+        <p:nvSpPr>
+          <p:cNvPr id="96" name="テキスト ボックス 95">
+            <a:extLst>
+              <a:ext uri="{FF2B5EF4-FFF2-40B4-BE49-F238E27FC236}">
+                <a16:creationId xmlns:a16="http://schemas.microsoft.com/office/drawing/2014/main" id="{DB4243C9-5C97-DBEE-CA29-4393220D85BF}"/>
+              </a:ext>
+            </a:extLst>
+          </p:cNvPr>
+          <p:cNvSpPr txBox="1"/>
+          <p:nvPr/>
+        </p:nvSpPr>
+        <p:spPr>
+          <a:xfrm>
+            <a:off x="9410423" y="10425591"/>
+            <a:ext cx="2766757" cy="369332"/>
+          </a:xfrm>
+          <a:prstGeom prst="rect">
+            <a:avLst/>
+          </a:prstGeom>
+          <a:noFill/>
+        </p:spPr>
+        <p:txBody>
+          <a:bodyPr wrap="square">
+            <a:spAutoFit/>
+          </a:bodyPr>
+          <a:lstStyle/>
+          <a:p>
+            <a:pPr algn="r"/>
+            <a:r>
+              <a:rPr kumimoji="1" lang="en-US" altLang="ja-JP">
+                <a:solidFill>
+                  <a:schemeClr val="bg1"/>
+                </a:solidFill>
+              </a:rPr>
+              <a:t>ModeSwitchButton</a:t>
+            </a:r>
+            <a:endParaRPr kumimoji="1" lang="ja-JP" altLang="en-US">
+              <a:solidFill>
+                <a:schemeClr val="bg1"/>
+              </a:solidFill>
+            </a:endParaRPr>
+          </a:p>
+        </p:txBody>
+      </p:sp>
+      <p:cxnSp>
+        <p:nvCxnSpPr>
+          <p:cNvPr id="97" name="直線矢印コネクタ 96">
+            <a:extLst>
+              <a:ext uri="{FF2B5EF4-FFF2-40B4-BE49-F238E27FC236}">
+                <a16:creationId xmlns:a16="http://schemas.microsoft.com/office/drawing/2014/main" id="{48B133FE-AAE1-2A5A-7672-24AD1AC10283}"/>
+              </a:ext>
+            </a:extLst>
+          </p:cNvPr>
+          <p:cNvCxnSpPr>
+            <a:cxnSpLocks/>
+          </p:cNvCxnSpPr>
+          <p:nvPr/>
+        </p:nvCxnSpPr>
+        <p:spPr>
+          <a:xfrm flipV="1">
+            <a:off x="11349964" y="9687828"/>
+            <a:ext cx="151776" cy="666079"/>
+          </a:xfrm>
+          <a:prstGeom prst="straightConnector1">
+            <a:avLst/>
+          </a:prstGeom>
+          <a:ln>
+            <a:solidFill>
+              <a:srgbClr val="FF0000"/>
+            </a:solidFill>
+            <a:tailEnd type="triangle"/>
+          </a:ln>
+        </p:spPr>
+        <p:style>
+          <a:lnRef idx="2">
+            <a:schemeClr val="accent1"/>
+          </a:lnRef>
+          <a:fillRef idx="0">
+            <a:schemeClr val="accent1"/>
+          </a:fillRef>
+          <a:effectRef idx="1">
+            <a:schemeClr val="accent1"/>
+          </a:effectRef>
+          <a:fontRef idx="minor">
+            <a:schemeClr val="tx1"/>
+          </a:fontRef>
+        </p:style>
+      </p:cxnSp>
+      <p:sp>
+        <p:nvSpPr>
+          <p:cNvPr id="3" name="テキスト ボックス 2">
+            <a:extLst>
+              <a:ext uri="{FF2B5EF4-FFF2-40B4-BE49-F238E27FC236}">
+                <a16:creationId xmlns:a16="http://schemas.microsoft.com/office/drawing/2014/main" id="{B9CE6A03-5D95-1E75-7398-AAE9629C16D2}"/>
+              </a:ext>
+            </a:extLst>
+          </p:cNvPr>
+          <p:cNvSpPr txBox="1"/>
+          <p:nvPr/>
+        </p:nvSpPr>
+        <p:spPr>
+          <a:xfrm>
+            <a:off x="1373250" y="591926"/>
+            <a:ext cx="7702952" cy="369332"/>
+          </a:xfrm>
+          <a:prstGeom prst="rect">
+            <a:avLst/>
+          </a:prstGeom>
+          <a:noFill/>
+        </p:spPr>
+        <p:txBody>
+          <a:bodyPr wrap="square">
+            <a:spAutoFit/>
+          </a:bodyPr>
+          <a:lstStyle/>
+          <a:p>
+            <a:r>
+              <a:rPr kumimoji="1" lang="en-US" altLang="ja-JP">
+                <a:solidFill>
+                  <a:schemeClr val="bg1"/>
+                </a:solidFill>
+              </a:rPr>
+              <a:t>Sequence Panel</a:t>
+            </a:r>
+            <a:endParaRPr kumimoji="1" lang="ja-JP" altLang="en-US">
+              <a:solidFill>
+                <a:schemeClr val="bg1"/>
+              </a:solidFill>
+            </a:endParaRPr>
+          </a:p>
+        </p:txBody>
+      </p:sp>
+      <p:cxnSp>
+        <p:nvCxnSpPr>
+          <p:cNvPr id="9" name="直線矢印コネクタ 8">
+            <a:extLst>
+              <a:ext uri="{FF2B5EF4-FFF2-40B4-BE49-F238E27FC236}">
+                <a16:creationId xmlns:a16="http://schemas.microsoft.com/office/drawing/2014/main" id="{F96DFD69-68FA-571D-CD3A-4DFC2C7A855F}"/>
+              </a:ext>
+            </a:extLst>
+          </p:cNvPr>
+          <p:cNvCxnSpPr>
+            <a:cxnSpLocks/>
+          </p:cNvCxnSpPr>
+          <p:nvPr/>
+        </p:nvCxnSpPr>
+        <p:spPr>
+          <a:xfrm>
+            <a:off x="2173462" y="917197"/>
+            <a:ext cx="913390" cy="470727"/>
+          </a:xfrm>
+          <a:prstGeom prst="straightConnector1">
+            <a:avLst/>
+          </a:prstGeom>
+          <a:ln>
+            <a:solidFill>
+              <a:srgbClr val="FF0000"/>
+            </a:solidFill>
+            <a:tailEnd type="triangle"/>
+          </a:ln>
+        </p:spPr>
+        <p:style>
+          <a:lnRef idx="2">
+            <a:schemeClr val="accent1"/>
+          </a:lnRef>
+          <a:fillRef idx="0">
+            <a:schemeClr val="accent1"/>
+          </a:fillRef>
+          <a:effectRef idx="1">
+            <a:schemeClr val="accent1"/>
+          </a:effectRef>
+          <a:fontRef idx="minor">
+            <a:schemeClr val="tx1"/>
+          </a:fontRef>
+        </p:style>
+      </p:cxnSp>
+    </p:spTree>
+    <p:extLst>
+      <p:ext uri="{BB962C8B-B14F-4D97-AF65-F5344CB8AC3E}">
+        <p14:creationId xmlns:p14="http://schemas.microsoft.com/office/powerpoint/2010/main" val="3257994735"/>
       </p:ext>
     </p:extLst>
   </p:cSld>

--- a/Plan/temporal_param.pptx
+++ b/Plan/temporal_param.pptx
@@ -198,7 +198,7 @@
           </a:lstStyle>
           <a:p>
             <a:fld id="{FED7A399-CF59-494F-BD20-4507C4E42CEF}" type="datetimeFigureOut">
-              <a:t>2025/1/20</a:t>
+              <a:t>2025/1/22</a:t>
             </a:fld>
             <a:endParaRPr kumimoji="1" lang="ja-JP" altLang="en-US"/>
           </a:p>
@@ -832,7 +832,7 @@
           <a:lstStyle/>
           <a:p>
             <a:fld id="{F9A8B239-ECAC-F94D-9231-B7DF30C45417}" type="datetimeFigureOut">
-              <a:t>2025/1/20</a:t>
+              <a:t>2025/1/22</a:t>
             </a:fld>
             <a:endParaRPr kumimoji="1" lang="ja-JP" altLang="en-US"/>
           </a:p>
@@ -1060,7 +1060,7 @@
           <a:lstStyle/>
           <a:p>
             <a:fld id="{F9A8B239-ECAC-F94D-9231-B7DF30C45417}" type="datetimeFigureOut">
-              <a:t>2025/1/20</a:t>
+              <a:t>2025/1/22</a:t>
             </a:fld>
             <a:endParaRPr kumimoji="1" lang="ja-JP" altLang="en-US"/>
           </a:p>
@@ -1298,7 +1298,7 @@
           <a:lstStyle/>
           <a:p>
             <a:fld id="{F9A8B239-ECAC-F94D-9231-B7DF30C45417}" type="datetimeFigureOut">
-              <a:t>2025/1/20</a:t>
+              <a:t>2025/1/22</a:t>
             </a:fld>
             <a:endParaRPr kumimoji="1" lang="ja-JP" altLang="en-US"/>
           </a:p>
@@ -1526,7 +1526,7 @@
           <a:lstStyle/>
           <a:p>
             <a:fld id="{F9A8B239-ECAC-F94D-9231-B7DF30C45417}" type="datetimeFigureOut">
-              <a:t>2025/1/20</a:t>
+              <a:t>2025/1/22</a:t>
             </a:fld>
             <a:endParaRPr kumimoji="1" lang="ja-JP" altLang="en-US"/>
           </a:p>
@@ -1799,7 +1799,7 @@
           <a:lstStyle/>
           <a:p>
             <a:fld id="{F9A8B239-ECAC-F94D-9231-B7DF30C45417}" type="datetimeFigureOut">
-              <a:t>2025/1/20</a:t>
+              <a:t>2025/1/22</a:t>
             </a:fld>
             <a:endParaRPr kumimoji="1" lang="ja-JP" altLang="en-US"/>
           </a:p>
@@ -2126,7 +2126,7 @@
           <a:lstStyle/>
           <a:p>
             <a:fld id="{F9A8B239-ECAC-F94D-9231-B7DF30C45417}" type="datetimeFigureOut">
-              <a:t>2025/1/20</a:t>
+              <a:t>2025/1/22</a:t>
             </a:fld>
             <a:endParaRPr kumimoji="1" lang="ja-JP" altLang="en-US"/>
           </a:p>
@@ -2600,7 +2600,7 @@
           <a:lstStyle/>
           <a:p>
             <a:fld id="{F9A8B239-ECAC-F94D-9231-B7DF30C45417}" type="datetimeFigureOut">
-              <a:t>2025/1/20</a:t>
+              <a:t>2025/1/22</a:t>
             </a:fld>
             <a:endParaRPr kumimoji="1" lang="ja-JP" altLang="en-US"/>
           </a:p>
@@ -2739,7 +2739,7 @@
           <a:lstStyle/>
           <a:p>
             <a:fld id="{F9A8B239-ECAC-F94D-9231-B7DF30C45417}" type="datetimeFigureOut">
-              <a:t>2025/1/20</a:t>
+              <a:t>2025/1/22</a:t>
             </a:fld>
             <a:endParaRPr kumimoji="1" lang="ja-JP" altLang="en-US"/>
           </a:p>
@@ -2850,7 +2850,7 @@
           <a:lstStyle/>
           <a:p>
             <a:fld id="{F9A8B239-ECAC-F94D-9231-B7DF30C45417}" type="datetimeFigureOut">
-              <a:t>2025/1/20</a:t>
+              <a:t>2025/1/22</a:t>
             </a:fld>
             <a:endParaRPr kumimoji="1" lang="ja-JP" altLang="en-US"/>
           </a:p>
@@ -3191,7 +3191,7 @@
           <a:lstStyle/>
           <a:p>
             <a:fld id="{F9A8B239-ECAC-F94D-9231-B7DF30C45417}" type="datetimeFigureOut">
-              <a:t>2025/1/20</a:t>
+              <a:t>2025/1/22</a:t>
             </a:fld>
             <a:endParaRPr kumimoji="1" lang="ja-JP" altLang="en-US"/>
           </a:p>
@@ -3477,7 +3477,7 @@
           <a:lstStyle/>
           <a:p>
             <a:fld id="{F9A8B239-ECAC-F94D-9231-B7DF30C45417}" type="datetimeFigureOut">
-              <a:t>2025/1/20</a:t>
+              <a:t>2025/1/22</a:t>
             </a:fld>
             <a:endParaRPr kumimoji="1" lang="ja-JP" altLang="en-US"/>
           </a:p>
@@ -3748,7 +3748,7 @@
           </a:lstStyle>
           <a:p>
             <a:fld id="{F9A8B239-ECAC-F94D-9231-B7DF30C45417}" type="datetimeFigureOut">
-              <a:t>2025/1/20</a:t>
+              <a:t>2025/1/22</a:t>
             </a:fld>
             <a:endParaRPr kumimoji="1" lang="ja-JP" altLang="en-US"/>
           </a:p>
@@ -8749,7 +8749,7 @@
         </p:nvSpPr>
         <p:spPr>
           <a:xfrm>
-            <a:off x="-293970" y="-322796"/>
+            <a:off x="-219325" y="-117523"/>
             <a:ext cx="15390901" cy="14352417"/>
           </a:xfrm>
           <a:prstGeom prst="rect">
@@ -9204,14 +9204,16 @@
         <p:spPr>
           <a:xfrm flipV="1">
             <a:off x="6546928" y="1982463"/>
-            <a:ext cx="0" cy="3201143"/>
+            <a:ext cx="0" cy="3201142"/>
           </a:xfrm>
           <a:prstGeom prst="straightConnector1">
             <a:avLst/>
           </a:prstGeom>
           <a:ln w="38100">
             <a:solidFill>
-              <a:srgbClr val="2A402C"/>
+              <a:srgbClr val="2A402C">
+                <a:alpha val="99000"/>
+              </a:srgbClr>
             </a:solidFill>
             <a:headEnd type="none" w="med" len="med"/>
             <a:tailEnd type="none" w="med" len="med"/>
@@ -11803,7 +11805,7 @@
         </p:nvSpPr>
         <p:spPr>
           <a:xfrm>
-            <a:off x="1373250" y="591926"/>
+            <a:off x="1261411" y="461799"/>
             <a:ext cx="7702952" cy="369332"/>
           </a:xfrm>
           <a:prstGeom prst="rect">
